--- a/Лекция 7 10_02_2021.pptx
+++ b/Лекция 7 10_02_2021.pptx
@@ -5,7 +5,7 @@
     <p:sldMasterId id="2147483648" r:id="rId1"/>
   </p:sldMasterIdLst>
   <p:notesMasterIdLst>
-    <p:notesMasterId r:id="rId53"/>
+    <p:notesMasterId r:id="rId55"/>
   </p:notesMasterIdLst>
   <p:sldIdLst>
     <p:sldId id="256" r:id="rId2"/>
@@ -49,16 +49,18 @@
     <p:sldId id="344" r:id="rId40"/>
     <p:sldId id="345" r:id="rId41"/>
     <p:sldId id="346" r:id="rId42"/>
-    <p:sldId id="317" r:id="rId43"/>
-    <p:sldId id="259" r:id="rId44"/>
-    <p:sldId id="260" r:id="rId45"/>
-    <p:sldId id="347" r:id="rId46"/>
-    <p:sldId id="348" r:id="rId47"/>
-    <p:sldId id="349" r:id="rId48"/>
-    <p:sldId id="350" r:id="rId49"/>
-    <p:sldId id="351" r:id="rId50"/>
-    <p:sldId id="352" r:id="rId51"/>
-    <p:sldId id="353" r:id="rId52"/>
+    <p:sldId id="355" r:id="rId43"/>
+    <p:sldId id="356" r:id="rId44"/>
+    <p:sldId id="317" r:id="rId45"/>
+    <p:sldId id="259" r:id="rId46"/>
+    <p:sldId id="260" r:id="rId47"/>
+    <p:sldId id="347" r:id="rId48"/>
+    <p:sldId id="348" r:id="rId49"/>
+    <p:sldId id="349" r:id="rId50"/>
+    <p:sldId id="350" r:id="rId51"/>
+    <p:sldId id="351" r:id="rId52"/>
+    <p:sldId id="352" r:id="rId53"/>
+    <p:sldId id="353" r:id="rId54"/>
   </p:sldIdLst>
   <p:sldSz cx="12192000" cy="6858000"/>
   <p:notesSz cx="6858000" cy="9144000"/>
@@ -259,7 +261,7 @@
           <a:p>
             <a:fld id="{44DBC884-B382-4302-8488-D4E467EB670D}" type="datetimeFigureOut">
               <a:rPr lang="ru-RU" smtClean="0"/>
-              <a:t>17.12.2020</a:t>
+              <a:t>12.02.2021</a:t>
             </a:fld>
             <a:endParaRPr lang="ru-RU" dirty="0"/>
           </a:p>
@@ -658,7 +660,7 @@
           <a:p>
             <a:fld id="{9F4DF3D0-C105-404D-A43B-7CBA1B97B744}" type="datetimeFigureOut">
               <a:rPr lang="ru-RU" smtClean="0"/>
-              <a:t>17.12.2020</a:t>
+              <a:t>12.02.2021</a:t>
             </a:fld>
             <a:endParaRPr lang="ru-RU" dirty="0"/>
           </a:p>
@@ -828,7 +830,7 @@
           <a:p>
             <a:fld id="{9F4DF3D0-C105-404D-A43B-7CBA1B97B744}" type="datetimeFigureOut">
               <a:rPr lang="ru-RU" smtClean="0"/>
-              <a:t>17.12.2020</a:t>
+              <a:t>12.02.2021</a:t>
             </a:fld>
             <a:endParaRPr lang="ru-RU" dirty="0"/>
           </a:p>
@@ -1008,7 +1010,7 @@
           <a:p>
             <a:fld id="{9F4DF3D0-C105-404D-A43B-7CBA1B97B744}" type="datetimeFigureOut">
               <a:rPr lang="ru-RU" smtClean="0"/>
-              <a:t>17.12.2020</a:t>
+              <a:t>12.02.2021</a:t>
             </a:fld>
             <a:endParaRPr lang="ru-RU" dirty="0"/>
           </a:p>
@@ -1178,7 +1180,7 @@
           <a:p>
             <a:fld id="{9F4DF3D0-C105-404D-A43B-7CBA1B97B744}" type="datetimeFigureOut">
               <a:rPr lang="ru-RU" smtClean="0"/>
-              <a:t>17.12.2020</a:t>
+              <a:t>12.02.2021</a:t>
             </a:fld>
             <a:endParaRPr lang="ru-RU" dirty="0"/>
           </a:p>
@@ -1424,7 +1426,7 @@
           <a:p>
             <a:fld id="{9F4DF3D0-C105-404D-A43B-7CBA1B97B744}" type="datetimeFigureOut">
               <a:rPr lang="ru-RU" smtClean="0"/>
-              <a:t>17.12.2020</a:t>
+              <a:t>12.02.2021</a:t>
             </a:fld>
             <a:endParaRPr lang="ru-RU" dirty="0"/>
           </a:p>
@@ -1656,7 +1658,7 @@
           <a:p>
             <a:fld id="{9F4DF3D0-C105-404D-A43B-7CBA1B97B744}" type="datetimeFigureOut">
               <a:rPr lang="ru-RU" smtClean="0"/>
-              <a:t>17.12.2020</a:t>
+              <a:t>12.02.2021</a:t>
             </a:fld>
             <a:endParaRPr lang="ru-RU" dirty="0"/>
           </a:p>
@@ -2023,7 +2025,7 @@
           <a:p>
             <a:fld id="{9F4DF3D0-C105-404D-A43B-7CBA1B97B744}" type="datetimeFigureOut">
               <a:rPr lang="ru-RU" smtClean="0"/>
-              <a:t>17.12.2020</a:t>
+              <a:t>12.02.2021</a:t>
             </a:fld>
             <a:endParaRPr lang="ru-RU" dirty="0"/>
           </a:p>
@@ -2141,7 +2143,7 @@
           <a:p>
             <a:fld id="{9F4DF3D0-C105-404D-A43B-7CBA1B97B744}" type="datetimeFigureOut">
               <a:rPr lang="ru-RU" smtClean="0"/>
-              <a:t>17.12.2020</a:t>
+              <a:t>12.02.2021</a:t>
             </a:fld>
             <a:endParaRPr lang="ru-RU" dirty="0"/>
           </a:p>
@@ -2236,7 +2238,7 @@
           <a:p>
             <a:fld id="{9F4DF3D0-C105-404D-A43B-7CBA1B97B744}" type="datetimeFigureOut">
               <a:rPr lang="ru-RU" smtClean="0"/>
-              <a:t>17.12.2020</a:t>
+              <a:t>12.02.2021</a:t>
             </a:fld>
             <a:endParaRPr lang="ru-RU" dirty="0"/>
           </a:p>
@@ -2513,7 +2515,7 @@
           <a:p>
             <a:fld id="{9F4DF3D0-C105-404D-A43B-7CBA1B97B744}" type="datetimeFigureOut">
               <a:rPr lang="ru-RU" smtClean="0"/>
-              <a:t>17.12.2020</a:t>
+              <a:t>12.02.2021</a:t>
             </a:fld>
             <a:endParaRPr lang="ru-RU" dirty="0"/>
           </a:p>
@@ -2766,7 +2768,7 @@
           <a:p>
             <a:fld id="{9F4DF3D0-C105-404D-A43B-7CBA1B97B744}" type="datetimeFigureOut">
               <a:rPr lang="ru-RU" smtClean="0"/>
-              <a:t>17.12.2020</a:t>
+              <a:t>12.02.2021</a:t>
             </a:fld>
             <a:endParaRPr lang="ru-RU" dirty="0"/>
           </a:p>
@@ -2979,7 +2981,7 @@
           <a:p>
             <a:fld id="{9F4DF3D0-C105-404D-A43B-7CBA1B97B744}" type="datetimeFigureOut">
               <a:rPr lang="ru-RU" smtClean="0"/>
-              <a:t>17.12.2020</a:t>
+              <a:t>12.02.2021</a:t>
             </a:fld>
             <a:endParaRPr lang="ru-RU" dirty="0"/>
           </a:p>
@@ -5203,8 +5205,8 @@
           </a:p>
         </p:txBody>
       </p:sp>
-      <mc:AlternateContent xmlns:mc="http://schemas.openxmlformats.org/markup-compatibility/2006">
-        <mc:Choice xmlns:a14="http://schemas.microsoft.com/office/drawing/2010/main" Requires="a14">
+      <mc:AlternateContent xmlns:mc="http://schemas.openxmlformats.org/markup-compatibility/2006" xmlns:a14="http://schemas.microsoft.com/office/drawing/2010/main">
+        <mc:Choice Requires="a14">
           <p:sp>
             <p:nvSpPr>
               <p:cNvPr id="3" name="Объект 2"/>
@@ -5709,18 +5711,14 @@
                 </a14:m>
                 <a:r>
                   <a:rPr lang="ru-RU" dirty="0" smtClean="0"/>
-                  <a:t>, чтобы максимизировать </a:t>
-                </a:r>
-                <a:r>
-                  <a:rPr lang="ru-RU" dirty="0" smtClean="0"/>
-                  <a:t>зазор.</a:t>
+                  <a:t>, чтобы максимизировать зазор.</a:t>
                 </a:r>
                 <a:endParaRPr lang="en-US" dirty="0"/>
               </a:p>
             </p:txBody>
           </p:sp>
         </mc:Choice>
-        <mc:Fallback>
+        <mc:Fallback xmlns="">
           <p:sp>
             <p:nvSpPr>
               <p:cNvPr id="3" name="Объект 2"/>
@@ -5814,8 +5812,8 @@
           </a:p>
         </p:txBody>
       </p:sp>
-      <mc:AlternateContent xmlns:mc="http://schemas.openxmlformats.org/markup-compatibility/2006">
-        <mc:Choice xmlns:a14="http://schemas.microsoft.com/office/drawing/2010/main" Requires="a14">
+      <mc:AlternateContent xmlns:mc="http://schemas.openxmlformats.org/markup-compatibility/2006" xmlns:a14="http://schemas.microsoft.com/office/drawing/2010/main">
+        <mc:Choice Requires="a14">
           <p:sp>
             <p:nvSpPr>
               <p:cNvPr id="3" name="Объект 2"/>
@@ -5838,15 +5836,7 @@
                 </a:pPr>
                 <a:r>
                   <a:rPr lang="ru-RU" dirty="0" smtClean="0"/>
-                  <a:t>Можно показать, что </a:t>
-                </a:r>
-                <a:r>
-                  <a:rPr lang="ru-RU" dirty="0" smtClean="0"/>
-                  <a:t>зазор </a:t>
-                </a:r>
-                <a:r>
-                  <a:rPr lang="ru-RU" dirty="0" smtClean="0"/>
-                  <a:t>равен </a:t>
+                  <a:t>Можно показать, что зазор равен </a:t>
                 </a:r>
                 <a14:m>
                   <m:oMath xmlns:m="http://schemas.openxmlformats.org/officeDocument/2006/math">
@@ -6163,7 +6153,7 @@
             </p:txBody>
           </p:sp>
         </mc:Choice>
-        <mc:Fallback>
+        <mc:Fallback xmlns="">
           <p:sp>
             <p:nvSpPr>
               <p:cNvPr id="3" name="Объект 2"/>
@@ -8149,6 +8139,13 @@
   <p:clrMapOvr>
     <a:masterClrMapping/>
   </p:clrMapOvr>
+  <p:timing>
+    <p:tnLst>
+      <p:par>
+        <p:cTn id="1" dur="indefinite" restart="never" nodeType="tmRoot"/>
+      </p:par>
+    </p:tnLst>
+  </p:timing>
 </p:sld>
 </file>
 
@@ -16994,6 +16991,13 @@
   <p:clrMapOvr>
     <a:masterClrMapping/>
   </p:clrMapOvr>
+  <p:timing>
+    <p:tnLst>
+      <p:par>
+        <p:cTn id="1" dur="indefinite" restart="never" nodeType="tmRoot"/>
+      </p:par>
+    </p:tnLst>
+  </p:timing>
 </p:sld>
 </file>
 
@@ -17119,7 +17123,6 @@
               <a:rPr lang="ru-RU" dirty="0" smtClean="0"/>
               <a:t>которому соответствует максимальная вероятность.</a:t>
             </a:r>
-            <a:endParaRPr lang="ru-RU" dirty="0" smtClean="0"/>
           </a:p>
           <a:p>
             <a:pPr marL="0" indent="0">
@@ -22546,8 +22549,8 @@
           </a:p>
         </p:txBody>
       </p:sp>
-      <mc:AlternateContent xmlns:mc="http://schemas.openxmlformats.org/markup-compatibility/2006">
-        <mc:Choice xmlns:a14="http://schemas.microsoft.com/office/drawing/2010/main" Requires="a14">
+      <mc:AlternateContent xmlns:mc="http://schemas.openxmlformats.org/markup-compatibility/2006" xmlns:a14="http://schemas.microsoft.com/office/drawing/2010/main">
+        <mc:Choice Requires="a14">
           <p:sp>
             <p:nvSpPr>
               <p:cNvPr id="3" name="Объект 2"/>
@@ -22769,7 +22772,6 @@
                   <a:rPr lang="ru-RU" dirty="0" smtClean="0"/>
                   <a:t>Однако, метод «один против всех» требует, чтобы результат работы классификатора можно было трактовать как вероятность принадлежности к классу, а для парного подхода этого не требуется.</a:t>
                 </a:r>
-                <a:endParaRPr lang="ru-RU" dirty="0" smtClean="0"/>
               </a:p>
               <a:p>
                 <a:pPr marL="0" indent="0">
@@ -22780,7 +22782,7 @@
             </p:txBody>
           </p:sp>
         </mc:Choice>
-        <mc:Fallback>
+        <mc:Fallback xmlns="">
           <p:sp>
             <p:nvSpPr>
               <p:cNvPr id="3" name="Объект 2"/>
@@ -23235,15 +23237,19 @@
                   <a:t>такие значения </a:t>
                 </a:r>
                 <a:r>
-                  <a:rPr lang="en-US" dirty="0"/>
-                  <a:t>a </a:t>
+                  <a:rPr lang="en-US" i="1" dirty="0"/>
+                  <a:t>w</a:t>
+                </a:r>
+                <a:r>
+                  <a:rPr lang="en-US" dirty="0" smtClean="0"/>
+                  <a:t> </a:t>
                 </a:r>
                 <a:r>
                   <a:rPr lang="ru-RU" dirty="0"/>
                   <a:t>и </a:t>
                 </a:r>
                 <a:r>
-                  <a:rPr lang="en-US" dirty="0"/>
+                  <a:rPr lang="en-US" i="1" dirty="0"/>
                   <a:t>b</a:t>
                 </a:r>
                 <a:r>
@@ -23253,36 +23259,56 @@
                 <a14:m>
                   <m:oMath xmlns:m="http://schemas.openxmlformats.org/officeDocument/2006/math">
                     <m:r>
-                      <a:rPr lang="en-US"/>
+                      <a:rPr lang="en-US">
+                        <a:latin typeface="Cambria Math" panose="02040503050406030204" pitchFamily="18" charset="0"/>
+                      </a:rPr>
                       <m:t>𝑓</m:t>
                     </m:r>
                     <m:d>
                       <m:dPr>
                         <m:ctrlPr>
-                          <a:rPr lang="en-US"/>
+                          <a:rPr lang="en-US">
+                            <a:latin typeface="Cambria Math" panose="02040503050406030204" pitchFamily="18" charset="0"/>
+                          </a:rPr>
                         </m:ctrlPr>
                       </m:dPr>
                       <m:e>
                         <m:r>
-                          <a:rPr lang="en-US"/>
+                          <a:rPr lang="en-US">
+                            <a:latin typeface="Cambria Math" panose="02040503050406030204" pitchFamily="18" charset="0"/>
+                          </a:rPr>
                           <m:t>𝑥</m:t>
                         </m:r>
                       </m:e>
                     </m:d>
                     <m:r>
-                      <a:rPr lang="en-US"/>
+                      <a:rPr lang="en-US">
+                        <a:latin typeface="Cambria Math" panose="02040503050406030204" pitchFamily="18" charset="0"/>
+                      </a:rPr>
                       <m:t>=</m:t>
                     </m:r>
                     <m:r>
-                      <a:rPr lang="en-US"/>
-                      <m:t>𝑎𝑥</m:t>
+                      <a:rPr lang="en-US" i="1">
+                        <a:latin typeface="Cambria Math" panose="02040503050406030204" pitchFamily="18" charset="0"/>
+                      </a:rPr>
+                      <m:t>𝑤</m:t>
                     </m:r>
                     <m:r>
-                      <a:rPr lang="en-US"/>
+                      <a:rPr lang="en-US">
+                        <a:latin typeface="Cambria Math" panose="02040503050406030204" pitchFamily="18" charset="0"/>
+                      </a:rPr>
+                      <m:t>𝑥</m:t>
+                    </m:r>
+                    <m:r>
+                      <a:rPr lang="en-US">
+                        <a:latin typeface="Cambria Math" panose="02040503050406030204" pitchFamily="18" charset="0"/>
+                      </a:rPr>
                       <m:t>+</m:t>
                     </m:r>
                     <m:r>
-                      <a:rPr lang="en-US"/>
+                      <a:rPr lang="en-US">
+                        <a:latin typeface="Cambria Math" panose="02040503050406030204" pitchFamily="18" charset="0"/>
+                      </a:rPr>
                       <m:t>𝑏</m:t>
                     </m:r>
                   </m:oMath>
@@ -23292,7 +23318,7 @@
                   <a:t> как можно точнее аппроксимировала </a:t>
                 </a:r>
                 <a:r>
-                  <a:rPr lang="en-US" dirty="0"/>
+                  <a:rPr lang="en-US" i="1" dirty="0"/>
                   <a:t>y</a:t>
                 </a:r>
                 <a:r>
@@ -23312,31 +23338,41 @@
                 <a14:m>
                   <m:oMath xmlns:m="http://schemas.openxmlformats.org/officeDocument/2006/math">
                     <m:r>
-                      <a:rPr lang="en-US"/>
+                      <a:rPr lang="en-US">
+                        <a:latin typeface="Cambria Math" panose="02040503050406030204" pitchFamily="18" charset="0"/>
+                      </a:rPr>
                       <m:t>𝑓</m:t>
                     </m:r>
                     <m:d>
                       <m:dPr>
                         <m:ctrlPr>
-                          <a:rPr lang="en-US"/>
+                          <a:rPr lang="en-US" i="1">
+                            <a:latin typeface="Cambria Math" panose="02040503050406030204" pitchFamily="18" charset="0"/>
+                          </a:rPr>
                         </m:ctrlPr>
                       </m:dPr>
                       <m:e>
                         <m:sSub>
                           <m:sSubPr>
                             <m:ctrlPr>
-                              <a:rPr lang="en-US"/>
+                              <a:rPr lang="en-US" i="1">
+                                <a:latin typeface="Cambria Math" panose="02040503050406030204" pitchFamily="18" charset="0"/>
+                              </a:rPr>
                             </m:ctrlPr>
                           </m:sSubPr>
                           <m:e>
                             <m:r>
-                              <a:rPr lang="en-US"/>
+                              <a:rPr lang="en-US">
+                                <a:latin typeface="Cambria Math" panose="02040503050406030204" pitchFamily="18" charset="0"/>
+                              </a:rPr>
                               <m:t>𝑥</m:t>
                             </m:r>
                           </m:e>
                           <m:sub>
                             <m:r>
-                              <a:rPr lang="en-US"/>
+                              <a:rPr lang="en-US">
+                                <a:latin typeface="Cambria Math" panose="02040503050406030204" pitchFamily="18" charset="0"/>
+                              </a:rPr>
                               <m:t>𝑖</m:t>
                             </m:r>
                           </m:sub>
@@ -23344,24 +23380,32 @@
                       </m:e>
                     </m:d>
                     <m:r>
-                      <a:rPr lang="en-US"/>
+                      <a:rPr lang="en-US">
+                        <a:latin typeface="Cambria Math" panose="02040503050406030204" pitchFamily="18" charset="0"/>
+                      </a:rPr>
                       <m:t>≈</m:t>
                     </m:r>
                     <m:sSub>
                       <m:sSubPr>
                         <m:ctrlPr>
-                          <a:rPr lang="en-US"/>
+                          <a:rPr lang="en-US" i="1">
+                            <a:latin typeface="Cambria Math" panose="02040503050406030204" pitchFamily="18" charset="0"/>
+                          </a:rPr>
                         </m:ctrlPr>
                       </m:sSubPr>
                       <m:e>
                         <m:r>
-                          <a:rPr lang="en-US"/>
+                          <a:rPr lang="en-US">
+                            <a:latin typeface="Cambria Math" panose="02040503050406030204" pitchFamily="18" charset="0"/>
+                          </a:rPr>
                           <m:t>𝑦</m:t>
                         </m:r>
                       </m:e>
                       <m:sub>
                         <m:r>
-                          <a:rPr lang="en-US"/>
+                          <a:rPr lang="en-US">
+                            <a:latin typeface="Cambria Math" panose="02040503050406030204" pitchFamily="18" charset="0"/>
+                          </a:rPr>
                           <m:t>𝑖</m:t>
                         </m:r>
                       </m:sub>
@@ -23377,7 +23421,7 @@
                   <a:t>для всех </a:t>
                 </a:r>
                 <a:r>
-                  <a:rPr lang="en-US" dirty="0"/>
+                  <a:rPr lang="en-US" i="1" dirty="0"/>
                   <a:t>i</a:t>
                 </a:r>
                 <a:r>
@@ -23483,8 +23527,8 @@
           </a:p>
         </p:txBody>
       </p:sp>
-      <mc:AlternateContent xmlns:mc="http://schemas.openxmlformats.org/markup-compatibility/2006">
-        <mc:Choice xmlns:a14="http://schemas.microsoft.com/office/drawing/2010/main" Requires="a14">
+      <mc:AlternateContent xmlns:mc="http://schemas.openxmlformats.org/markup-compatibility/2006" xmlns:a14="http://schemas.microsoft.com/office/drawing/2010/main">
+        <mc:Choice Requires="a14">
           <p:sp>
             <p:nvSpPr>
               <p:cNvPr id="3" name="Объект 2"/>
@@ -23632,7 +23676,7 @@
             </p:txBody>
           </p:sp>
         </mc:Choice>
-        <mc:Fallback>
+        <mc:Fallback xmlns="">
           <p:sp>
             <p:nvSpPr>
               <p:cNvPr id="3" name="Объект 2"/>
@@ -25246,6 +25290,13 @@
   <p:clrMapOvr>
     <a:masterClrMapping/>
   </p:clrMapOvr>
+  <p:timing>
+    <p:tnLst>
+      <p:par>
+        <p:cTn id="1" dur="indefinite" restart="never" nodeType="tmRoot"/>
+      </p:par>
+    </p:tnLst>
+  </p:timing>
 </p:sld>
 </file>
 
@@ -26201,12 +26252,12 @@
           <a:lstStyle/>
           <a:p>
             <a:r>
-              <a:rPr lang="ru-RU" dirty="0"/>
-              <a:t>Метод </a:t>
+              <a:rPr lang="ru-RU" dirty="0" smtClean="0"/>
+              <a:t>Метод опорных векторов, </a:t>
             </a:r>
             <a:r>
               <a:rPr lang="ru-RU" dirty="0" smtClean="0"/>
-              <a:t>опорных векторов</a:t>
+              <a:t>достоинства</a:t>
             </a:r>
             <a:endParaRPr lang="ru-RU" dirty="0"/>
           </a:p>
@@ -26214,724 +26265,50 @@
       </p:sp>
       <p:sp>
         <p:nvSpPr>
-          <p:cNvPr id="5" name="Скругленный прямоугольник 4"/>
-          <p:cNvSpPr/>
-          <p:nvPr/>
-        </p:nvSpPr>
-        <p:spPr>
-          <a:xfrm>
-            <a:off x="285008" y="1781299"/>
-            <a:ext cx="11578441" cy="4845132"/>
-          </a:xfrm>
-          <a:prstGeom prst="roundRect">
-            <a:avLst/>
-          </a:prstGeom>
-        </p:spPr>
-        <p:style>
-          <a:lnRef idx="2">
-            <a:schemeClr val="accent1">
-              <a:shade val="50000"/>
-            </a:schemeClr>
-          </a:lnRef>
-          <a:fillRef idx="1">
-            <a:schemeClr val="accent1"/>
-          </a:fillRef>
-          <a:effectRef idx="0">
-            <a:schemeClr val="accent1"/>
-          </a:effectRef>
-          <a:fontRef idx="minor">
-            <a:schemeClr val="lt1"/>
-          </a:fontRef>
-        </p:style>
-        <p:txBody>
-          <a:bodyPr rtlCol="0" anchor="t" anchorCtr="0"/>
+          <p:cNvPr id="3" name="Объект 2"/>
+          <p:cNvSpPr>
+            <a:spLocks noGrp="1"/>
+          </p:cNvSpPr>
+          <p:nvPr>
+            <p:ph idx="1"/>
+          </p:nvPr>
+        </p:nvSpPr>
+        <p:spPr/>
+        <p:txBody>
+          <a:bodyPr>
+            <a:normAutofit/>
+          </a:bodyPr>
           <a:lstStyle/>
           <a:p>
             <a:r>
               <a:rPr lang="ru-RU" dirty="0" smtClean="0"/>
-              <a:t>Искусственный интеллект</a:t>
+              <a:t>Эффективно работает при наличии явного отступа между классами.</a:t>
             </a:r>
-            <a:endParaRPr lang="ru-RU" dirty="0"/>
-          </a:p>
-        </p:txBody>
-      </p:sp>
-      <p:sp>
-        <p:nvSpPr>
-          <p:cNvPr id="6" name="Скругленный прямоугольник 5"/>
-          <p:cNvSpPr/>
-          <p:nvPr/>
-        </p:nvSpPr>
-        <p:spPr>
-          <a:xfrm>
-            <a:off x="838200" y="2543695"/>
-            <a:ext cx="10849495" cy="3956858"/>
-          </a:xfrm>
-          <a:prstGeom prst="roundRect">
-            <a:avLst/>
-          </a:prstGeom>
-        </p:spPr>
-        <p:style>
-          <a:lnRef idx="2">
-            <a:schemeClr val="accent6"/>
-          </a:lnRef>
-          <a:fillRef idx="1">
-            <a:schemeClr val="lt1"/>
-          </a:fillRef>
-          <a:effectRef idx="0">
-            <a:schemeClr val="accent6"/>
-          </a:effectRef>
-          <a:fontRef idx="minor">
-            <a:schemeClr val="dk1"/>
-          </a:fontRef>
-        </p:style>
-        <p:txBody>
-          <a:bodyPr rtlCol="0" anchor="t"/>
-          <a:lstStyle/>
+          </a:p>
           <a:p>
             <a:r>
               <a:rPr lang="ru-RU" dirty="0" smtClean="0"/>
-              <a:t>Машинное обучение</a:t>
+              <a:t>Эффективен в пространствах большой размерности.</a:t>
             </a:r>
-            <a:endParaRPr lang="ru-RU" dirty="0"/>
-          </a:p>
-        </p:txBody>
-      </p:sp>
-      <p:sp>
-        <p:nvSpPr>
-          <p:cNvPr id="3" name="Скругленный прямоугольник 2"/>
-          <p:cNvSpPr/>
-          <p:nvPr/>
-        </p:nvSpPr>
-        <p:spPr>
-          <a:xfrm>
-            <a:off x="1242204" y="3312543"/>
-            <a:ext cx="3148641" cy="2915729"/>
-          </a:xfrm>
-          <a:prstGeom prst="roundRect">
-            <a:avLst/>
-          </a:prstGeom>
-        </p:spPr>
-        <p:style>
-          <a:lnRef idx="1">
-            <a:schemeClr val="accent1"/>
-          </a:lnRef>
-          <a:fillRef idx="2">
-            <a:schemeClr val="accent1"/>
-          </a:fillRef>
-          <a:effectRef idx="1">
-            <a:schemeClr val="accent1"/>
-          </a:effectRef>
-          <a:fontRef idx="minor">
-            <a:schemeClr val="dk1"/>
-          </a:fontRef>
-        </p:style>
-        <p:txBody>
-          <a:bodyPr rtlCol="0" anchor="t"/>
-          <a:lstStyle/>
+          </a:p>
           <a:p>
             <a:r>
               <a:rPr lang="ru-RU" dirty="0" smtClean="0"/>
-              <a:t>Обучение с учителем</a:t>
+              <a:t>Эффективен в случае, когда размерность пространства больше количество экземпляров в наборе данных.</a:t>
             </a:r>
-            <a:endParaRPr lang="ru-RU" dirty="0"/>
-          </a:p>
-        </p:txBody>
-      </p:sp>
-      <p:sp>
-        <p:nvSpPr>
-          <p:cNvPr id="7" name="Скругленный прямоугольник 6"/>
-          <p:cNvSpPr/>
-          <p:nvPr/>
-        </p:nvSpPr>
-        <p:spPr>
-          <a:xfrm>
-            <a:off x="4794849" y="3312543"/>
-            <a:ext cx="3148641" cy="2915729"/>
-          </a:xfrm>
-          <a:prstGeom prst="roundRect">
-            <a:avLst/>
-          </a:prstGeom>
-        </p:spPr>
-        <p:style>
-          <a:lnRef idx="1">
-            <a:schemeClr val="accent1"/>
-          </a:lnRef>
-          <a:fillRef idx="2">
-            <a:schemeClr val="accent1"/>
-          </a:fillRef>
-          <a:effectRef idx="1">
-            <a:schemeClr val="accent1"/>
-          </a:effectRef>
-          <a:fontRef idx="minor">
-            <a:schemeClr val="dk1"/>
-          </a:fontRef>
-        </p:style>
-        <p:txBody>
-          <a:bodyPr rtlCol="0" anchor="t"/>
-          <a:lstStyle/>
-          <a:p>
-            <a:r>
-              <a:rPr lang="ru-RU" dirty="0" smtClean="0">
-                <a:solidFill>
-                  <a:schemeClr val="dk1"/>
-                </a:solidFill>
-              </a:rPr>
-              <a:t>Обучение без учителя</a:t>
-            </a:r>
-            <a:endParaRPr lang="ru-RU" dirty="0">
-              <a:solidFill>
-                <a:schemeClr val="dk1"/>
-              </a:solidFill>
-            </a:endParaRPr>
-          </a:p>
-        </p:txBody>
-      </p:sp>
-      <p:sp>
-        <p:nvSpPr>
-          <p:cNvPr id="8" name="Скругленный прямоугольник 7"/>
-          <p:cNvSpPr/>
-          <p:nvPr/>
-        </p:nvSpPr>
-        <p:spPr>
-          <a:xfrm>
-            <a:off x="8347494" y="3312542"/>
-            <a:ext cx="3148641" cy="2915729"/>
-          </a:xfrm>
-          <a:prstGeom prst="roundRect">
-            <a:avLst/>
-          </a:prstGeom>
-        </p:spPr>
-        <p:style>
-          <a:lnRef idx="1">
-            <a:schemeClr val="accent1"/>
-          </a:lnRef>
-          <a:fillRef idx="2">
-            <a:schemeClr val="accent1"/>
-          </a:fillRef>
-          <a:effectRef idx="1">
-            <a:schemeClr val="accent1"/>
-          </a:effectRef>
-          <a:fontRef idx="minor">
-            <a:schemeClr val="dk1"/>
-          </a:fontRef>
-        </p:style>
-        <p:txBody>
-          <a:bodyPr rtlCol="0" anchor="t"/>
-          <a:lstStyle/>
-          <a:p>
-            <a:r>
-              <a:rPr lang="ru-RU" dirty="0" smtClean="0">
-                <a:solidFill>
-                  <a:schemeClr val="dk1"/>
-                </a:solidFill>
-              </a:rPr>
-              <a:t>Обучение с подкреплением</a:t>
-            </a:r>
-            <a:endParaRPr lang="ru-RU" dirty="0">
-              <a:solidFill>
-                <a:schemeClr val="dk1"/>
-              </a:solidFill>
-            </a:endParaRPr>
-          </a:p>
-        </p:txBody>
-      </p:sp>
-      <p:sp>
-        <p:nvSpPr>
-          <p:cNvPr id="4" name="Скругленный прямоугольник 3"/>
-          <p:cNvSpPr/>
-          <p:nvPr/>
-        </p:nvSpPr>
-        <p:spPr>
-          <a:xfrm>
-            <a:off x="1426271" y="3915383"/>
-            <a:ext cx="2813220" cy="855023"/>
-          </a:xfrm>
-          <a:prstGeom prst="roundRect">
-            <a:avLst/>
-          </a:prstGeom>
-        </p:spPr>
-        <p:style>
-          <a:lnRef idx="2">
-            <a:schemeClr val="accent6">
-              <a:shade val="50000"/>
-            </a:schemeClr>
-          </a:lnRef>
-          <a:fillRef idx="1">
-            <a:schemeClr val="accent6"/>
-          </a:fillRef>
-          <a:effectRef idx="0">
-            <a:schemeClr val="accent6"/>
-          </a:effectRef>
-          <a:fontRef idx="minor">
-            <a:schemeClr val="lt1"/>
-          </a:fontRef>
-        </p:style>
-        <p:txBody>
-          <a:bodyPr rtlCol="0" anchor="t"/>
-          <a:lstStyle/>
+          </a:p>
           <a:p>
             <a:r>
               <a:rPr lang="ru-RU" dirty="0" smtClean="0"/>
-              <a:t>Регрессия</a:t>
+              <a:t>Использует только часть обучающих данных (собственно – опорные векторы) для определения целевой функции, это эффективно с  точки зрения используемой памяти.</a:t>
             </a:r>
-            <a:endParaRPr lang="ru-RU" dirty="0"/>
-          </a:p>
-        </p:txBody>
-      </p:sp>
-      <p:sp>
-        <p:nvSpPr>
-          <p:cNvPr id="10" name="Скругленный прямоугольник 9"/>
-          <p:cNvSpPr/>
-          <p:nvPr/>
-        </p:nvSpPr>
-        <p:spPr>
-          <a:xfrm>
-            <a:off x="1426271" y="5081878"/>
-            <a:ext cx="2813220" cy="855023"/>
-          </a:xfrm>
-          <a:prstGeom prst="roundRect">
-            <a:avLst/>
-          </a:prstGeom>
-        </p:spPr>
-        <p:style>
-          <a:lnRef idx="2">
-            <a:schemeClr val="accent6">
-              <a:shade val="50000"/>
-            </a:schemeClr>
-          </a:lnRef>
-          <a:fillRef idx="1">
-            <a:schemeClr val="accent6"/>
-          </a:fillRef>
-          <a:effectRef idx="0">
-            <a:schemeClr val="accent6"/>
-          </a:effectRef>
-          <a:fontRef idx="minor">
-            <a:schemeClr val="lt1"/>
-          </a:fontRef>
-        </p:style>
-        <p:txBody>
-          <a:bodyPr rtlCol="0" anchor="t"/>
-          <a:lstStyle/>
-          <a:p>
-            <a:r>
-              <a:rPr lang="ru-RU" dirty="0" smtClean="0"/>
-              <a:t>Классификация</a:t>
-            </a:r>
-            <a:endParaRPr lang="ru-RU" dirty="0"/>
-          </a:p>
-        </p:txBody>
-      </p:sp>
-      <p:sp>
-        <p:nvSpPr>
-          <p:cNvPr id="11" name="Скругленный прямоугольник 10"/>
-          <p:cNvSpPr/>
-          <p:nvPr/>
-        </p:nvSpPr>
-        <p:spPr>
-          <a:xfrm>
-            <a:off x="4962560" y="3915383"/>
-            <a:ext cx="2813220" cy="855023"/>
-          </a:xfrm>
-          <a:prstGeom prst="roundRect">
-            <a:avLst/>
-          </a:prstGeom>
-        </p:spPr>
-        <p:style>
-          <a:lnRef idx="2">
-            <a:schemeClr val="accent6">
-              <a:shade val="50000"/>
-            </a:schemeClr>
-          </a:lnRef>
-          <a:fillRef idx="1">
-            <a:schemeClr val="accent6"/>
-          </a:fillRef>
-          <a:effectRef idx="0">
-            <a:schemeClr val="accent6"/>
-          </a:effectRef>
-          <a:fontRef idx="minor">
-            <a:schemeClr val="lt1"/>
-          </a:fontRef>
-        </p:style>
-        <p:txBody>
-          <a:bodyPr rtlCol="0" anchor="t"/>
-          <a:lstStyle/>
-          <a:p>
-            <a:r>
-              <a:rPr lang="ru-RU" dirty="0" smtClean="0"/>
-              <a:t>Кластеризация</a:t>
-            </a:r>
-            <a:endParaRPr lang="ru-RU" dirty="0"/>
-          </a:p>
-        </p:txBody>
-      </p:sp>
-      <p:sp>
-        <p:nvSpPr>
-          <p:cNvPr id="9" name="Скругленный прямоугольник 8"/>
-          <p:cNvSpPr/>
-          <p:nvPr/>
-        </p:nvSpPr>
-        <p:spPr>
-          <a:xfrm>
-            <a:off x="3408219" y="4010387"/>
-            <a:ext cx="748146" cy="288482"/>
-          </a:xfrm>
-          <a:prstGeom prst="roundRect">
-            <a:avLst/>
-          </a:prstGeom>
-        </p:spPr>
-        <p:style>
-          <a:lnRef idx="2">
-            <a:schemeClr val="accent4">
-              <a:shade val="50000"/>
-            </a:schemeClr>
-          </a:lnRef>
-          <a:fillRef idx="1">
-            <a:schemeClr val="accent4"/>
-          </a:fillRef>
-          <a:effectRef idx="0">
-            <a:schemeClr val="accent4"/>
-          </a:effectRef>
-          <a:fontRef idx="minor">
-            <a:schemeClr val="lt1"/>
-          </a:fontRef>
-        </p:style>
-        <p:txBody>
-          <a:bodyPr rtlCol="0" anchor="ctr"/>
-          <a:lstStyle/>
-          <a:p>
-            <a:pPr algn="ctr"/>
-            <a:r>
-              <a:rPr lang="ru-RU" sz="1200" dirty="0" smtClean="0"/>
-              <a:t>Лин.рег.</a:t>
-            </a:r>
-            <a:endParaRPr lang="ru-RU" sz="1200" dirty="0"/>
-          </a:p>
-        </p:txBody>
-      </p:sp>
-      <p:sp>
-        <p:nvSpPr>
-          <p:cNvPr id="12" name="Скругленный прямоугольник 11"/>
-          <p:cNvSpPr/>
-          <p:nvPr/>
-        </p:nvSpPr>
-        <p:spPr>
-          <a:xfrm>
-            <a:off x="3408219" y="5173405"/>
-            <a:ext cx="748146" cy="288482"/>
-          </a:xfrm>
-          <a:prstGeom prst="roundRect">
-            <a:avLst/>
-          </a:prstGeom>
-        </p:spPr>
-        <p:style>
-          <a:lnRef idx="2">
-            <a:schemeClr val="accent4">
-              <a:shade val="50000"/>
-            </a:schemeClr>
-          </a:lnRef>
-          <a:fillRef idx="1">
-            <a:schemeClr val="accent4"/>
-          </a:fillRef>
-          <a:effectRef idx="0">
-            <a:schemeClr val="accent4"/>
-          </a:effectRef>
-          <a:fontRef idx="minor">
-            <a:schemeClr val="lt1"/>
-          </a:fontRef>
-        </p:style>
-        <p:txBody>
-          <a:bodyPr rtlCol="0" anchor="ctr"/>
-          <a:lstStyle/>
-          <a:p>
-            <a:pPr algn="ctr"/>
-            <a:r>
-              <a:rPr lang="ru-RU" sz="1200" dirty="0" smtClean="0"/>
-              <a:t>Лог.рег.</a:t>
-            </a:r>
-            <a:endParaRPr lang="ru-RU" sz="1200" dirty="0"/>
-          </a:p>
-        </p:txBody>
-      </p:sp>
-      <p:sp>
-        <p:nvSpPr>
-          <p:cNvPr id="13" name="Скругленный прямоугольник 12"/>
-          <p:cNvSpPr/>
-          <p:nvPr/>
-        </p:nvSpPr>
-        <p:spPr>
-          <a:xfrm>
-            <a:off x="3408219" y="5552498"/>
-            <a:ext cx="748146" cy="288482"/>
-          </a:xfrm>
-          <a:prstGeom prst="roundRect">
-            <a:avLst/>
-          </a:prstGeom>
-        </p:spPr>
-        <p:style>
-          <a:lnRef idx="2">
-            <a:schemeClr val="accent4">
-              <a:shade val="50000"/>
-            </a:schemeClr>
-          </a:lnRef>
-          <a:fillRef idx="1">
-            <a:schemeClr val="accent4"/>
-          </a:fillRef>
-          <a:effectRef idx="0">
-            <a:schemeClr val="accent4"/>
-          </a:effectRef>
-          <a:fontRef idx="minor">
-            <a:schemeClr val="lt1"/>
-          </a:fontRef>
-        </p:style>
-        <p:txBody>
-          <a:bodyPr rtlCol="0" anchor="ctr"/>
-          <a:lstStyle/>
-          <a:p>
-            <a:pPr algn="ctr"/>
-            <a:r>
-              <a:rPr lang="ru-RU" sz="1200" dirty="0" smtClean="0"/>
-              <a:t>Н.Байес</a:t>
-            </a:r>
-            <a:endParaRPr lang="ru-RU" sz="1200" dirty="0"/>
-          </a:p>
-        </p:txBody>
-      </p:sp>
-      <p:sp>
-        <p:nvSpPr>
-          <p:cNvPr id="14" name="Скругленный прямоугольник 13"/>
-          <p:cNvSpPr/>
-          <p:nvPr/>
-        </p:nvSpPr>
-        <p:spPr>
-          <a:xfrm>
-            <a:off x="3408219" y="4400622"/>
-            <a:ext cx="748146" cy="288482"/>
-          </a:xfrm>
-          <a:prstGeom prst="roundRect">
-            <a:avLst/>
-          </a:prstGeom>
-        </p:spPr>
-        <p:style>
-          <a:lnRef idx="2">
-            <a:schemeClr val="accent4">
-              <a:shade val="50000"/>
-            </a:schemeClr>
-          </a:lnRef>
-          <a:fillRef idx="1">
-            <a:schemeClr val="accent4"/>
-          </a:fillRef>
-          <a:effectRef idx="0">
-            <a:schemeClr val="accent4"/>
-          </a:effectRef>
-          <a:fontRef idx="minor">
-            <a:schemeClr val="lt1"/>
-          </a:fontRef>
-        </p:style>
-        <p:txBody>
-          <a:bodyPr rtlCol="0" anchor="ctr"/>
-          <a:lstStyle/>
-          <a:p>
-            <a:pPr algn="ctr"/>
-            <a:r>
-              <a:rPr lang="en-US" sz="1200" dirty="0" smtClean="0"/>
-              <a:t>K </a:t>
-            </a:r>
-            <a:r>
-              <a:rPr lang="ru-RU" sz="1200" dirty="0" smtClean="0"/>
-              <a:t>бл.с.</a:t>
-            </a:r>
-            <a:endParaRPr lang="ru-RU" sz="1200" dirty="0"/>
-          </a:p>
-        </p:txBody>
-      </p:sp>
-      <p:sp>
-        <p:nvSpPr>
-          <p:cNvPr id="15" name="Скругленный прямоугольник 14"/>
-          <p:cNvSpPr/>
-          <p:nvPr/>
-        </p:nvSpPr>
-        <p:spPr>
-          <a:xfrm>
-            <a:off x="2576947" y="5552498"/>
-            <a:ext cx="748146" cy="288482"/>
-          </a:xfrm>
-          <a:prstGeom prst="roundRect">
-            <a:avLst/>
-          </a:prstGeom>
-        </p:spPr>
-        <p:style>
-          <a:lnRef idx="2">
-            <a:schemeClr val="accent4">
-              <a:shade val="50000"/>
-            </a:schemeClr>
-          </a:lnRef>
-          <a:fillRef idx="1">
-            <a:schemeClr val="accent4"/>
-          </a:fillRef>
-          <a:effectRef idx="0">
-            <a:schemeClr val="accent4"/>
-          </a:effectRef>
-          <a:fontRef idx="minor">
-            <a:schemeClr val="lt1"/>
-          </a:fontRef>
-        </p:style>
-        <p:txBody>
-          <a:bodyPr rtlCol="0" anchor="ctr"/>
-          <a:lstStyle/>
-          <a:p>
-            <a:pPr algn="ctr"/>
-            <a:r>
-              <a:rPr lang="en-US" sz="1200" dirty="0" smtClean="0"/>
-              <a:t>K </a:t>
-            </a:r>
-            <a:r>
-              <a:rPr lang="ru-RU" sz="1200" dirty="0" smtClean="0"/>
-              <a:t>бл.с.</a:t>
-            </a:r>
-            <a:endParaRPr lang="ru-RU" sz="1200" dirty="0"/>
-          </a:p>
-        </p:txBody>
-      </p:sp>
-      <p:sp>
-        <p:nvSpPr>
-          <p:cNvPr id="16" name="Скругленный прямоугольник 15"/>
-          <p:cNvSpPr/>
-          <p:nvPr/>
-        </p:nvSpPr>
-        <p:spPr>
-          <a:xfrm>
-            <a:off x="6948679" y="4010387"/>
-            <a:ext cx="748146" cy="288482"/>
-          </a:xfrm>
-          <a:prstGeom prst="roundRect">
-            <a:avLst/>
-          </a:prstGeom>
-        </p:spPr>
-        <p:style>
-          <a:lnRef idx="2">
-            <a:schemeClr val="accent4">
-              <a:shade val="50000"/>
-            </a:schemeClr>
-          </a:lnRef>
-          <a:fillRef idx="1">
-            <a:schemeClr val="accent4"/>
-          </a:fillRef>
-          <a:effectRef idx="0">
-            <a:schemeClr val="accent4"/>
-          </a:effectRef>
-          <a:fontRef idx="minor">
-            <a:schemeClr val="lt1"/>
-          </a:fontRef>
-        </p:style>
-        <p:txBody>
-          <a:bodyPr rtlCol="0" anchor="ctr"/>
-          <a:lstStyle/>
-          <a:p>
-            <a:pPr algn="ctr"/>
-            <a:r>
-              <a:rPr lang="en-US" sz="1200" dirty="0" smtClean="0"/>
-              <a:t>K</a:t>
-            </a:r>
-            <a:r>
-              <a:rPr lang="ru-RU" sz="1200" dirty="0" smtClean="0"/>
-              <a:t>-средн</a:t>
-            </a:r>
-            <a:endParaRPr lang="ru-RU" sz="1200" dirty="0"/>
-          </a:p>
-        </p:txBody>
-      </p:sp>
-      <p:sp>
-        <p:nvSpPr>
-          <p:cNvPr id="18" name="Скругленный прямоугольник 17"/>
-          <p:cNvSpPr/>
-          <p:nvPr/>
-        </p:nvSpPr>
-        <p:spPr>
-          <a:xfrm>
-            <a:off x="1733674" y="5552498"/>
-            <a:ext cx="748146" cy="288482"/>
-          </a:xfrm>
-          <a:prstGeom prst="roundRect">
-            <a:avLst/>
-          </a:prstGeom>
-        </p:spPr>
-        <p:style>
-          <a:lnRef idx="2">
-            <a:schemeClr val="accent4">
-              <a:shade val="50000"/>
-            </a:schemeClr>
-          </a:lnRef>
-          <a:fillRef idx="1">
-            <a:schemeClr val="accent4"/>
-          </a:fillRef>
-          <a:effectRef idx="0">
-            <a:schemeClr val="accent4"/>
-          </a:effectRef>
-          <a:fontRef idx="minor">
-            <a:schemeClr val="lt1"/>
-          </a:fontRef>
-        </p:style>
-        <p:txBody>
-          <a:bodyPr rtlCol="0" anchor="ctr"/>
-          <a:lstStyle/>
-          <a:p>
-            <a:pPr algn="ctr"/>
-            <a:r>
-              <a:rPr lang="en-US" sz="1200" dirty="0" smtClean="0"/>
-              <a:t>SVM</a:t>
-            </a:r>
-            <a:endParaRPr lang="ru-RU" sz="1200" dirty="0"/>
-          </a:p>
-        </p:txBody>
-      </p:sp>
-      <p:sp>
-        <p:nvSpPr>
-          <p:cNvPr id="19" name="Скругленный прямоугольник 18"/>
-          <p:cNvSpPr/>
-          <p:nvPr/>
-        </p:nvSpPr>
-        <p:spPr>
-          <a:xfrm>
-            <a:off x="2580740" y="4400622"/>
-            <a:ext cx="748146" cy="288482"/>
-          </a:xfrm>
-          <a:prstGeom prst="roundRect">
-            <a:avLst/>
-          </a:prstGeom>
-        </p:spPr>
-        <p:style>
-          <a:lnRef idx="2">
-            <a:schemeClr val="accent4">
-              <a:shade val="50000"/>
-            </a:schemeClr>
-          </a:lnRef>
-          <a:fillRef idx="1">
-            <a:schemeClr val="accent4"/>
-          </a:fillRef>
-          <a:effectRef idx="0">
-            <a:schemeClr val="accent4"/>
-          </a:effectRef>
-          <a:fontRef idx="minor">
-            <a:schemeClr val="lt1"/>
-          </a:fontRef>
-        </p:style>
-        <p:txBody>
-          <a:bodyPr rtlCol="0" anchor="ctr"/>
-          <a:lstStyle/>
-          <a:p>
-            <a:pPr algn="ctr"/>
-            <a:r>
-              <a:rPr lang="en-US" sz="1200" dirty="0" smtClean="0"/>
-              <a:t>SVM</a:t>
-            </a:r>
-            <a:endParaRPr lang="ru-RU" sz="1200" dirty="0"/>
           </a:p>
         </p:txBody>
       </p:sp>
     </p:spTree>
     <p:extLst>
       <p:ext uri="{BB962C8B-B14F-4D97-AF65-F5344CB8AC3E}">
-        <p14:creationId xmlns:p14="http://schemas.microsoft.com/office/powerpoint/2010/main" val="3568789513"/>
+        <p14:creationId xmlns:p14="http://schemas.microsoft.com/office/powerpoint/2010/main" val="1890293552"/>
       </p:ext>
     </p:extLst>
   </p:cSld>
@@ -26982,7 +26359,11 @@
           <a:p>
             <a:r>
               <a:rPr lang="ru-RU" dirty="0" smtClean="0"/>
-              <a:t>Ссылки</a:t>
+              <a:t>Метод опорных векторов, </a:t>
+            </a:r>
+            <a:r>
+              <a:rPr lang="ru-RU" dirty="0" smtClean="0"/>
+              <a:t>недостатки</a:t>
             </a:r>
             <a:endParaRPr lang="ru-RU" dirty="0"/>
           </a:p>
@@ -27006,73 +26387,52 @@
           <a:lstStyle/>
           <a:p>
             <a:r>
-              <a:rPr lang="en-US" dirty="0">
-                <a:hlinkClick r:id="rId2"/>
-              </a:rPr>
-              <a:t>https://habr.com/ru/post/105220</a:t>
+              <a:rPr lang="ru-RU" dirty="0" smtClean="0"/>
+              <a:t>Время обучения велико для больших наборов данных.</a:t>
+            </a:r>
+          </a:p>
+          <a:p>
+            <a:r>
+              <a:rPr lang="ru-RU" dirty="0" smtClean="0"/>
+              <a:t>Плохо работает при большом количестве шумов, когда элементы разных классов перемешиваются.</a:t>
+            </a:r>
+            <a:endParaRPr lang="ru-RU" dirty="0"/>
+          </a:p>
+          <a:p>
+            <a:r>
+              <a:rPr lang="ru-RU" dirty="0" smtClean="0"/>
+              <a:t>Низкая интерпретируемость.</a:t>
+            </a:r>
+          </a:p>
+          <a:p>
+            <a:r>
+              <a:rPr lang="ru-RU" dirty="0" smtClean="0"/>
+              <a:t>Склонность к переобучению.</a:t>
+            </a:r>
+          </a:p>
+          <a:p>
+            <a:r>
+              <a:rPr lang="ru-RU" dirty="0" smtClean="0"/>
+              <a:t>Сложность в подборе </a:t>
             </a:r>
             <a:r>
-              <a:rPr lang="en-US" dirty="0" smtClean="0">
-                <a:hlinkClick r:id="rId2"/>
-              </a:rPr>
-              <a:t>/</a:t>
-            </a:r>
-          </a:p>
-          <a:p>
-            <a:r>
-              <a:rPr lang="en-US" dirty="0">
-                <a:hlinkClick r:id="rId2"/>
-              </a:rPr>
-              <a:t>www.machinelearning.ru/wiki/index.php?title=</a:t>
+              <a:rPr lang="ru-RU" smtClean="0"/>
+              <a:t>гиперпараметров</a:t>
             </a:r>
             <a:r>
-              <a:rPr lang="ru-RU" dirty="0" err="1" smtClean="0">
-                <a:hlinkClick r:id="rId2"/>
-              </a:rPr>
-              <a:t>Метод_опорных_векторов</a:t>
+              <a:rPr lang="ru-RU" dirty="0" smtClean="0"/>
+              <a:t>.</a:t>
             </a:r>
-            <a:endParaRPr lang="en-US" dirty="0" smtClean="0">
-              <a:hlinkClick r:id="rId2"/>
-            </a:endParaRPr>
-          </a:p>
-          <a:p>
-            <a:r>
-              <a:rPr lang="en-US" dirty="0">
-                <a:hlinkClick r:id="rId2"/>
-              </a:rPr>
-              <a:t>https://nuancesprog.ru/p/9573/</a:t>
-            </a:r>
-          </a:p>
-          <a:p>
-            <a:r>
-              <a:rPr lang="en-US" dirty="0" smtClean="0">
-                <a:hlinkClick r:id="rId2"/>
-              </a:rPr>
-              <a:t>https</a:t>
-            </a:r>
-            <a:r>
-              <a:rPr lang="en-US" dirty="0">
-                <a:hlinkClick r:id="rId2"/>
-              </a:rPr>
-              <a:t>://</a:t>
-            </a:r>
-            <a:r>
-              <a:rPr lang="en-US" dirty="0" smtClean="0">
-                <a:hlinkClick r:id="rId2"/>
-              </a:rPr>
-              <a:t>scikit-learn.org/stable/modules/svm.html</a:t>
-            </a:r>
+          </a:p>
+          <a:p>
             <a:endParaRPr lang="ru-RU" dirty="0" smtClean="0"/>
-          </a:p>
-          <a:p>
-            <a:endParaRPr lang="en-US" dirty="0" smtClean="0"/>
           </a:p>
         </p:txBody>
       </p:sp>
     </p:spTree>
     <p:extLst>
       <p:ext uri="{BB962C8B-B14F-4D97-AF65-F5344CB8AC3E}">
-        <p14:creationId xmlns:p14="http://schemas.microsoft.com/office/powerpoint/2010/main" val="2236621087"/>
+        <p14:creationId xmlns:p14="http://schemas.microsoft.com/office/powerpoint/2010/main" val="3638622030"/>
       </p:ext>
     </p:extLst>
   </p:cSld>
@@ -27116,31 +26476,743 @@
             <p:ph type="title"/>
           </p:nvPr>
         </p:nvSpPr>
-        <p:spPr>
-          <a:xfrm>
-            <a:off x="838200" y="2585810"/>
-            <a:ext cx="10515600" cy="1325563"/>
-          </a:xfrm>
-        </p:spPr>
-        <p:txBody>
-          <a:bodyPr>
-            <a:normAutofit/>
-          </a:bodyPr>
-          <a:lstStyle/>
-          <a:p>
-            <a:pPr algn="ctr"/>
+        <p:spPr/>
+        <p:txBody>
+          <a:bodyPr/>
+          <a:lstStyle/>
+          <a:p>
             <a:r>
-              <a:rPr lang="ru-RU" sz="6000" dirty="0" smtClean="0"/>
-              <a:t>Спасибо за внимание</a:t>
+              <a:rPr lang="ru-RU" dirty="0"/>
+              <a:t>Метод </a:t>
             </a:r>
-            <a:endParaRPr lang="ru-RU" sz="6000" dirty="0"/>
+            <a:r>
+              <a:rPr lang="ru-RU" dirty="0" smtClean="0"/>
+              <a:t>опорных векторов</a:t>
+            </a:r>
+            <a:endParaRPr lang="ru-RU" dirty="0"/>
+          </a:p>
+        </p:txBody>
+      </p:sp>
+      <p:sp>
+        <p:nvSpPr>
+          <p:cNvPr id="5" name="Скругленный прямоугольник 4"/>
+          <p:cNvSpPr/>
+          <p:nvPr/>
+        </p:nvSpPr>
+        <p:spPr>
+          <a:xfrm>
+            <a:off x="285008" y="1781299"/>
+            <a:ext cx="11578441" cy="4845132"/>
+          </a:xfrm>
+          <a:prstGeom prst="roundRect">
+            <a:avLst/>
+          </a:prstGeom>
+        </p:spPr>
+        <p:style>
+          <a:lnRef idx="2">
+            <a:schemeClr val="accent1">
+              <a:shade val="50000"/>
+            </a:schemeClr>
+          </a:lnRef>
+          <a:fillRef idx="1">
+            <a:schemeClr val="accent1"/>
+          </a:fillRef>
+          <a:effectRef idx="0">
+            <a:schemeClr val="accent1"/>
+          </a:effectRef>
+          <a:fontRef idx="minor">
+            <a:schemeClr val="lt1"/>
+          </a:fontRef>
+        </p:style>
+        <p:txBody>
+          <a:bodyPr rtlCol="0" anchor="t" anchorCtr="0"/>
+          <a:lstStyle/>
+          <a:p>
+            <a:r>
+              <a:rPr lang="ru-RU" dirty="0" smtClean="0"/>
+              <a:t>Искусственный интеллект</a:t>
+            </a:r>
+            <a:endParaRPr lang="ru-RU" dirty="0"/>
+          </a:p>
+        </p:txBody>
+      </p:sp>
+      <p:sp>
+        <p:nvSpPr>
+          <p:cNvPr id="6" name="Скругленный прямоугольник 5"/>
+          <p:cNvSpPr/>
+          <p:nvPr/>
+        </p:nvSpPr>
+        <p:spPr>
+          <a:xfrm>
+            <a:off x="838200" y="2543695"/>
+            <a:ext cx="10849495" cy="3956858"/>
+          </a:xfrm>
+          <a:prstGeom prst="roundRect">
+            <a:avLst/>
+          </a:prstGeom>
+        </p:spPr>
+        <p:style>
+          <a:lnRef idx="2">
+            <a:schemeClr val="accent6"/>
+          </a:lnRef>
+          <a:fillRef idx="1">
+            <a:schemeClr val="lt1"/>
+          </a:fillRef>
+          <a:effectRef idx="0">
+            <a:schemeClr val="accent6"/>
+          </a:effectRef>
+          <a:fontRef idx="minor">
+            <a:schemeClr val="dk1"/>
+          </a:fontRef>
+        </p:style>
+        <p:txBody>
+          <a:bodyPr rtlCol="0" anchor="t"/>
+          <a:lstStyle/>
+          <a:p>
+            <a:r>
+              <a:rPr lang="ru-RU" dirty="0" smtClean="0"/>
+              <a:t>Машинное обучение</a:t>
+            </a:r>
+            <a:endParaRPr lang="ru-RU" dirty="0"/>
+          </a:p>
+        </p:txBody>
+      </p:sp>
+      <p:sp>
+        <p:nvSpPr>
+          <p:cNvPr id="3" name="Скругленный прямоугольник 2"/>
+          <p:cNvSpPr/>
+          <p:nvPr/>
+        </p:nvSpPr>
+        <p:spPr>
+          <a:xfrm>
+            <a:off x="1242204" y="3312543"/>
+            <a:ext cx="3148641" cy="2915729"/>
+          </a:xfrm>
+          <a:prstGeom prst="roundRect">
+            <a:avLst/>
+          </a:prstGeom>
+        </p:spPr>
+        <p:style>
+          <a:lnRef idx="1">
+            <a:schemeClr val="accent1"/>
+          </a:lnRef>
+          <a:fillRef idx="2">
+            <a:schemeClr val="accent1"/>
+          </a:fillRef>
+          <a:effectRef idx="1">
+            <a:schemeClr val="accent1"/>
+          </a:effectRef>
+          <a:fontRef idx="minor">
+            <a:schemeClr val="dk1"/>
+          </a:fontRef>
+        </p:style>
+        <p:txBody>
+          <a:bodyPr rtlCol="0" anchor="t"/>
+          <a:lstStyle/>
+          <a:p>
+            <a:r>
+              <a:rPr lang="ru-RU" dirty="0" smtClean="0"/>
+              <a:t>Обучение с учителем</a:t>
+            </a:r>
+            <a:endParaRPr lang="ru-RU" dirty="0"/>
+          </a:p>
+        </p:txBody>
+      </p:sp>
+      <p:sp>
+        <p:nvSpPr>
+          <p:cNvPr id="7" name="Скругленный прямоугольник 6"/>
+          <p:cNvSpPr/>
+          <p:nvPr/>
+        </p:nvSpPr>
+        <p:spPr>
+          <a:xfrm>
+            <a:off x="4794849" y="3312543"/>
+            <a:ext cx="3148641" cy="2915729"/>
+          </a:xfrm>
+          <a:prstGeom prst="roundRect">
+            <a:avLst/>
+          </a:prstGeom>
+        </p:spPr>
+        <p:style>
+          <a:lnRef idx="1">
+            <a:schemeClr val="accent1"/>
+          </a:lnRef>
+          <a:fillRef idx="2">
+            <a:schemeClr val="accent1"/>
+          </a:fillRef>
+          <a:effectRef idx="1">
+            <a:schemeClr val="accent1"/>
+          </a:effectRef>
+          <a:fontRef idx="minor">
+            <a:schemeClr val="dk1"/>
+          </a:fontRef>
+        </p:style>
+        <p:txBody>
+          <a:bodyPr rtlCol="0" anchor="t"/>
+          <a:lstStyle/>
+          <a:p>
+            <a:r>
+              <a:rPr lang="ru-RU" dirty="0" smtClean="0">
+                <a:solidFill>
+                  <a:schemeClr val="dk1"/>
+                </a:solidFill>
+              </a:rPr>
+              <a:t>Обучение без учителя</a:t>
+            </a:r>
+            <a:endParaRPr lang="ru-RU" dirty="0">
+              <a:solidFill>
+                <a:schemeClr val="dk1"/>
+              </a:solidFill>
+            </a:endParaRPr>
+          </a:p>
+        </p:txBody>
+      </p:sp>
+      <p:sp>
+        <p:nvSpPr>
+          <p:cNvPr id="8" name="Скругленный прямоугольник 7"/>
+          <p:cNvSpPr/>
+          <p:nvPr/>
+        </p:nvSpPr>
+        <p:spPr>
+          <a:xfrm>
+            <a:off x="8347494" y="3312542"/>
+            <a:ext cx="3148641" cy="2915729"/>
+          </a:xfrm>
+          <a:prstGeom prst="roundRect">
+            <a:avLst/>
+          </a:prstGeom>
+        </p:spPr>
+        <p:style>
+          <a:lnRef idx="1">
+            <a:schemeClr val="accent1"/>
+          </a:lnRef>
+          <a:fillRef idx="2">
+            <a:schemeClr val="accent1"/>
+          </a:fillRef>
+          <a:effectRef idx="1">
+            <a:schemeClr val="accent1"/>
+          </a:effectRef>
+          <a:fontRef idx="minor">
+            <a:schemeClr val="dk1"/>
+          </a:fontRef>
+        </p:style>
+        <p:txBody>
+          <a:bodyPr rtlCol="0" anchor="t"/>
+          <a:lstStyle/>
+          <a:p>
+            <a:r>
+              <a:rPr lang="ru-RU" dirty="0" smtClean="0">
+                <a:solidFill>
+                  <a:schemeClr val="dk1"/>
+                </a:solidFill>
+              </a:rPr>
+              <a:t>Обучение с подкреплением</a:t>
+            </a:r>
+            <a:endParaRPr lang="ru-RU" dirty="0">
+              <a:solidFill>
+                <a:schemeClr val="dk1"/>
+              </a:solidFill>
+            </a:endParaRPr>
+          </a:p>
+        </p:txBody>
+      </p:sp>
+      <p:sp>
+        <p:nvSpPr>
+          <p:cNvPr id="4" name="Скругленный прямоугольник 3"/>
+          <p:cNvSpPr/>
+          <p:nvPr/>
+        </p:nvSpPr>
+        <p:spPr>
+          <a:xfrm>
+            <a:off x="1426271" y="3915383"/>
+            <a:ext cx="2813220" cy="855023"/>
+          </a:xfrm>
+          <a:prstGeom prst="roundRect">
+            <a:avLst/>
+          </a:prstGeom>
+        </p:spPr>
+        <p:style>
+          <a:lnRef idx="2">
+            <a:schemeClr val="accent6">
+              <a:shade val="50000"/>
+            </a:schemeClr>
+          </a:lnRef>
+          <a:fillRef idx="1">
+            <a:schemeClr val="accent6"/>
+          </a:fillRef>
+          <a:effectRef idx="0">
+            <a:schemeClr val="accent6"/>
+          </a:effectRef>
+          <a:fontRef idx="minor">
+            <a:schemeClr val="lt1"/>
+          </a:fontRef>
+        </p:style>
+        <p:txBody>
+          <a:bodyPr rtlCol="0" anchor="t"/>
+          <a:lstStyle/>
+          <a:p>
+            <a:r>
+              <a:rPr lang="ru-RU" dirty="0" smtClean="0"/>
+              <a:t>Регрессия</a:t>
+            </a:r>
+            <a:endParaRPr lang="ru-RU" dirty="0"/>
+          </a:p>
+        </p:txBody>
+      </p:sp>
+      <p:sp>
+        <p:nvSpPr>
+          <p:cNvPr id="10" name="Скругленный прямоугольник 9"/>
+          <p:cNvSpPr/>
+          <p:nvPr/>
+        </p:nvSpPr>
+        <p:spPr>
+          <a:xfrm>
+            <a:off x="1426271" y="5081878"/>
+            <a:ext cx="2813220" cy="855023"/>
+          </a:xfrm>
+          <a:prstGeom prst="roundRect">
+            <a:avLst/>
+          </a:prstGeom>
+        </p:spPr>
+        <p:style>
+          <a:lnRef idx="2">
+            <a:schemeClr val="accent6">
+              <a:shade val="50000"/>
+            </a:schemeClr>
+          </a:lnRef>
+          <a:fillRef idx="1">
+            <a:schemeClr val="accent6"/>
+          </a:fillRef>
+          <a:effectRef idx="0">
+            <a:schemeClr val="accent6"/>
+          </a:effectRef>
+          <a:fontRef idx="minor">
+            <a:schemeClr val="lt1"/>
+          </a:fontRef>
+        </p:style>
+        <p:txBody>
+          <a:bodyPr rtlCol="0" anchor="t"/>
+          <a:lstStyle/>
+          <a:p>
+            <a:r>
+              <a:rPr lang="ru-RU" dirty="0" smtClean="0"/>
+              <a:t>Классификация</a:t>
+            </a:r>
+            <a:endParaRPr lang="ru-RU" dirty="0"/>
+          </a:p>
+        </p:txBody>
+      </p:sp>
+      <p:sp>
+        <p:nvSpPr>
+          <p:cNvPr id="11" name="Скругленный прямоугольник 10"/>
+          <p:cNvSpPr/>
+          <p:nvPr/>
+        </p:nvSpPr>
+        <p:spPr>
+          <a:xfrm>
+            <a:off x="4962560" y="3915383"/>
+            <a:ext cx="2813220" cy="855023"/>
+          </a:xfrm>
+          <a:prstGeom prst="roundRect">
+            <a:avLst/>
+          </a:prstGeom>
+        </p:spPr>
+        <p:style>
+          <a:lnRef idx="2">
+            <a:schemeClr val="accent6">
+              <a:shade val="50000"/>
+            </a:schemeClr>
+          </a:lnRef>
+          <a:fillRef idx="1">
+            <a:schemeClr val="accent6"/>
+          </a:fillRef>
+          <a:effectRef idx="0">
+            <a:schemeClr val="accent6"/>
+          </a:effectRef>
+          <a:fontRef idx="minor">
+            <a:schemeClr val="lt1"/>
+          </a:fontRef>
+        </p:style>
+        <p:txBody>
+          <a:bodyPr rtlCol="0" anchor="t"/>
+          <a:lstStyle/>
+          <a:p>
+            <a:r>
+              <a:rPr lang="ru-RU" dirty="0" smtClean="0"/>
+              <a:t>Кластеризация</a:t>
+            </a:r>
+            <a:endParaRPr lang="ru-RU" dirty="0"/>
+          </a:p>
+        </p:txBody>
+      </p:sp>
+      <p:sp>
+        <p:nvSpPr>
+          <p:cNvPr id="9" name="Скругленный прямоугольник 8"/>
+          <p:cNvSpPr/>
+          <p:nvPr/>
+        </p:nvSpPr>
+        <p:spPr>
+          <a:xfrm>
+            <a:off x="3408219" y="4010387"/>
+            <a:ext cx="748146" cy="288482"/>
+          </a:xfrm>
+          <a:prstGeom prst="roundRect">
+            <a:avLst/>
+          </a:prstGeom>
+        </p:spPr>
+        <p:style>
+          <a:lnRef idx="2">
+            <a:schemeClr val="accent4">
+              <a:shade val="50000"/>
+            </a:schemeClr>
+          </a:lnRef>
+          <a:fillRef idx="1">
+            <a:schemeClr val="accent4"/>
+          </a:fillRef>
+          <a:effectRef idx="0">
+            <a:schemeClr val="accent4"/>
+          </a:effectRef>
+          <a:fontRef idx="minor">
+            <a:schemeClr val="lt1"/>
+          </a:fontRef>
+        </p:style>
+        <p:txBody>
+          <a:bodyPr rtlCol="0" anchor="ctr"/>
+          <a:lstStyle/>
+          <a:p>
+            <a:pPr algn="ctr"/>
+            <a:r>
+              <a:rPr lang="ru-RU" sz="1200" dirty="0" smtClean="0"/>
+              <a:t>Лин.рег.</a:t>
+            </a:r>
+            <a:endParaRPr lang="ru-RU" sz="1200" dirty="0"/>
+          </a:p>
+        </p:txBody>
+      </p:sp>
+      <p:sp>
+        <p:nvSpPr>
+          <p:cNvPr id="12" name="Скругленный прямоугольник 11"/>
+          <p:cNvSpPr/>
+          <p:nvPr/>
+        </p:nvSpPr>
+        <p:spPr>
+          <a:xfrm>
+            <a:off x="3408219" y="5173405"/>
+            <a:ext cx="748146" cy="288482"/>
+          </a:xfrm>
+          <a:prstGeom prst="roundRect">
+            <a:avLst/>
+          </a:prstGeom>
+        </p:spPr>
+        <p:style>
+          <a:lnRef idx="2">
+            <a:schemeClr val="accent4">
+              <a:shade val="50000"/>
+            </a:schemeClr>
+          </a:lnRef>
+          <a:fillRef idx="1">
+            <a:schemeClr val="accent4"/>
+          </a:fillRef>
+          <a:effectRef idx="0">
+            <a:schemeClr val="accent4"/>
+          </a:effectRef>
+          <a:fontRef idx="minor">
+            <a:schemeClr val="lt1"/>
+          </a:fontRef>
+        </p:style>
+        <p:txBody>
+          <a:bodyPr rtlCol="0" anchor="ctr"/>
+          <a:lstStyle/>
+          <a:p>
+            <a:pPr algn="ctr"/>
+            <a:r>
+              <a:rPr lang="ru-RU" sz="1200" dirty="0" smtClean="0"/>
+              <a:t>Лог.рег.</a:t>
+            </a:r>
+            <a:endParaRPr lang="ru-RU" sz="1200" dirty="0"/>
+          </a:p>
+        </p:txBody>
+      </p:sp>
+      <p:sp>
+        <p:nvSpPr>
+          <p:cNvPr id="13" name="Скругленный прямоугольник 12"/>
+          <p:cNvSpPr/>
+          <p:nvPr/>
+        </p:nvSpPr>
+        <p:spPr>
+          <a:xfrm>
+            <a:off x="3408219" y="5552498"/>
+            <a:ext cx="748146" cy="288482"/>
+          </a:xfrm>
+          <a:prstGeom prst="roundRect">
+            <a:avLst/>
+          </a:prstGeom>
+        </p:spPr>
+        <p:style>
+          <a:lnRef idx="2">
+            <a:schemeClr val="accent4">
+              <a:shade val="50000"/>
+            </a:schemeClr>
+          </a:lnRef>
+          <a:fillRef idx="1">
+            <a:schemeClr val="accent4"/>
+          </a:fillRef>
+          <a:effectRef idx="0">
+            <a:schemeClr val="accent4"/>
+          </a:effectRef>
+          <a:fontRef idx="minor">
+            <a:schemeClr val="lt1"/>
+          </a:fontRef>
+        </p:style>
+        <p:txBody>
+          <a:bodyPr rtlCol="0" anchor="ctr"/>
+          <a:lstStyle/>
+          <a:p>
+            <a:pPr algn="ctr"/>
+            <a:r>
+              <a:rPr lang="ru-RU" sz="1200" dirty="0" smtClean="0"/>
+              <a:t>Н.Байес</a:t>
+            </a:r>
+            <a:endParaRPr lang="ru-RU" sz="1200" dirty="0"/>
+          </a:p>
+        </p:txBody>
+      </p:sp>
+      <p:sp>
+        <p:nvSpPr>
+          <p:cNvPr id="14" name="Скругленный прямоугольник 13"/>
+          <p:cNvSpPr/>
+          <p:nvPr/>
+        </p:nvSpPr>
+        <p:spPr>
+          <a:xfrm>
+            <a:off x="3408219" y="4400622"/>
+            <a:ext cx="748146" cy="288482"/>
+          </a:xfrm>
+          <a:prstGeom prst="roundRect">
+            <a:avLst/>
+          </a:prstGeom>
+        </p:spPr>
+        <p:style>
+          <a:lnRef idx="2">
+            <a:schemeClr val="accent4">
+              <a:shade val="50000"/>
+            </a:schemeClr>
+          </a:lnRef>
+          <a:fillRef idx="1">
+            <a:schemeClr val="accent4"/>
+          </a:fillRef>
+          <a:effectRef idx="0">
+            <a:schemeClr val="accent4"/>
+          </a:effectRef>
+          <a:fontRef idx="minor">
+            <a:schemeClr val="lt1"/>
+          </a:fontRef>
+        </p:style>
+        <p:txBody>
+          <a:bodyPr rtlCol="0" anchor="ctr"/>
+          <a:lstStyle/>
+          <a:p>
+            <a:pPr algn="ctr"/>
+            <a:r>
+              <a:rPr lang="en-US" sz="1200" dirty="0" smtClean="0"/>
+              <a:t>K </a:t>
+            </a:r>
+            <a:r>
+              <a:rPr lang="ru-RU" sz="1200" dirty="0" smtClean="0"/>
+              <a:t>бл.с.</a:t>
+            </a:r>
+            <a:endParaRPr lang="ru-RU" sz="1200" dirty="0"/>
+          </a:p>
+        </p:txBody>
+      </p:sp>
+      <p:sp>
+        <p:nvSpPr>
+          <p:cNvPr id="15" name="Скругленный прямоугольник 14"/>
+          <p:cNvSpPr/>
+          <p:nvPr/>
+        </p:nvSpPr>
+        <p:spPr>
+          <a:xfrm>
+            <a:off x="2576947" y="5552498"/>
+            <a:ext cx="748146" cy="288482"/>
+          </a:xfrm>
+          <a:prstGeom prst="roundRect">
+            <a:avLst/>
+          </a:prstGeom>
+        </p:spPr>
+        <p:style>
+          <a:lnRef idx="2">
+            <a:schemeClr val="accent4">
+              <a:shade val="50000"/>
+            </a:schemeClr>
+          </a:lnRef>
+          <a:fillRef idx="1">
+            <a:schemeClr val="accent4"/>
+          </a:fillRef>
+          <a:effectRef idx="0">
+            <a:schemeClr val="accent4"/>
+          </a:effectRef>
+          <a:fontRef idx="minor">
+            <a:schemeClr val="lt1"/>
+          </a:fontRef>
+        </p:style>
+        <p:txBody>
+          <a:bodyPr rtlCol="0" anchor="ctr"/>
+          <a:lstStyle/>
+          <a:p>
+            <a:pPr algn="ctr"/>
+            <a:r>
+              <a:rPr lang="en-US" sz="1200" dirty="0" smtClean="0"/>
+              <a:t>K </a:t>
+            </a:r>
+            <a:r>
+              <a:rPr lang="ru-RU" sz="1200" dirty="0" smtClean="0"/>
+              <a:t>бл.с.</a:t>
+            </a:r>
+            <a:endParaRPr lang="ru-RU" sz="1200" dirty="0"/>
+          </a:p>
+        </p:txBody>
+      </p:sp>
+      <p:sp>
+        <p:nvSpPr>
+          <p:cNvPr id="16" name="Скругленный прямоугольник 15"/>
+          <p:cNvSpPr/>
+          <p:nvPr/>
+        </p:nvSpPr>
+        <p:spPr>
+          <a:xfrm>
+            <a:off x="6948679" y="4010387"/>
+            <a:ext cx="748146" cy="288482"/>
+          </a:xfrm>
+          <a:prstGeom prst="roundRect">
+            <a:avLst/>
+          </a:prstGeom>
+        </p:spPr>
+        <p:style>
+          <a:lnRef idx="2">
+            <a:schemeClr val="accent4">
+              <a:shade val="50000"/>
+            </a:schemeClr>
+          </a:lnRef>
+          <a:fillRef idx="1">
+            <a:schemeClr val="accent4"/>
+          </a:fillRef>
+          <a:effectRef idx="0">
+            <a:schemeClr val="accent4"/>
+          </a:effectRef>
+          <a:fontRef idx="minor">
+            <a:schemeClr val="lt1"/>
+          </a:fontRef>
+        </p:style>
+        <p:txBody>
+          <a:bodyPr rtlCol="0" anchor="ctr"/>
+          <a:lstStyle/>
+          <a:p>
+            <a:pPr algn="ctr"/>
+            <a:r>
+              <a:rPr lang="en-US" sz="1200" dirty="0" smtClean="0"/>
+              <a:t>K</a:t>
+            </a:r>
+            <a:r>
+              <a:rPr lang="ru-RU" sz="1200" dirty="0" smtClean="0"/>
+              <a:t>-средн</a:t>
+            </a:r>
+            <a:endParaRPr lang="ru-RU" sz="1200" dirty="0"/>
+          </a:p>
+        </p:txBody>
+      </p:sp>
+      <p:sp>
+        <p:nvSpPr>
+          <p:cNvPr id="18" name="Скругленный прямоугольник 17"/>
+          <p:cNvSpPr/>
+          <p:nvPr/>
+        </p:nvSpPr>
+        <p:spPr>
+          <a:xfrm>
+            <a:off x="1733674" y="5552498"/>
+            <a:ext cx="748146" cy="288482"/>
+          </a:xfrm>
+          <a:prstGeom prst="roundRect">
+            <a:avLst/>
+          </a:prstGeom>
+        </p:spPr>
+        <p:style>
+          <a:lnRef idx="2">
+            <a:schemeClr val="accent4">
+              <a:shade val="50000"/>
+            </a:schemeClr>
+          </a:lnRef>
+          <a:fillRef idx="1">
+            <a:schemeClr val="accent4"/>
+          </a:fillRef>
+          <a:effectRef idx="0">
+            <a:schemeClr val="accent4"/>
+          </a:effectRef>
+          <a:fontRef idx="minor">
+            <a:schemeClr val="lt1"/>
+          </a:fontRef>
+        </p:style>
+        <p:txBody>
+          <a:bodyPr rtlCol="0" anchor="ctr"/>
+          <a:lstStyle/>
+          <a:p>
+            <a:pPr algn="ctr"/>
+            <a:r>
+              <a:rPr lang="en-US" sz="1200" dirty="0" smtClean="0"/>
+              <a:t>SVM</a:t>
+            </a:r>
+            <a:endParaRPr lang="ru-RU" sz="1200" dirty="0"/>
+          </a:p>
+        </p:txBody>
+      </p:sp>
+      <p:sp>
+        <p:nvSpPr>
+          <p:cNvPr id="19" name="Скругленный прямоугольник 18"/>
+          <p:cNvSpPr/>
+          <p:nvPr/>
+        </p:nvSpPr>
+        <p:spPr>
+          <a:xfrm>
+            <a:off x="2580740" y="4400622"/>
+            <a:ext cx="748146" cy="288482"/>
+          </a:xfrm>
+          <a:prstGeom prst="roundRect">
+            <a:avLst/>
+          </a:prstGeom>
+        </p:spPr>
+        <p:style>
+          <a:lnRef idx="2">
+            <a:schemeClr val="accent4">
+              <a:shade val="50000"/>
+            </a:schemeClr>
+          </a:lnRef>
+          <a:fillRef idx="1">
+            <a:schemeClr val="accent4"/>
+          </a:fillRef>
+          <a:effectRef idx="0">
+            <a:schemeClr val="accent4"/>
+          </a:effectRef>
+          <a:fontRef idx="minor">
+            <a:schemeClr val="lt1"/>
+          </a:fontRef>
+        </p:style>
+        <p:txBody>
+          <a:bodyPr rtlCol="0" anchor="ctr"/>
+          <a:lstStyle/>
+          <a:p>
+            <a:pPr algn="ctr"/>
+            <a:r>
+              <a:rPr lang="en-US" sz="1200" dirty="0" smtClean="0"/>
+              <a:t>SVM</a:t>
+            </a:r>
+            <a:endParaRPr lang="ru-RU" sz="1200" dirty="0"/>
           </a:p>
         </p:txBody>
       </p:sp>
     </p:spTree>
     <p:extLst>
       <p:ext uri="{BB962C8B-B14F-4D97-AF65-F5344CB8AC3E}">
-        <p14:creationId xmlns:p14="http://schemas.microsoft.com/office/powerpoint/2010/main" val="3287438502"/>
+        <p14:creationId xmlns:p14="http://schemas.microsoft.com/office/powerpoint/2010/main" val="3568789513"/>
       </p:ext>
     </p:extLst>
   </p:cSld>
@@ -27191,7 +27263,7 @@
           <a:p>
             <a:r>
               <a:rPr lang="ru-RU" dirty="0" smtClean="0"/>
-              <a:t>Контрольные вопросы</a:t>
+              <a:t>Ссылки</a:t>
             </a:r>
             <a:endParaRPr lang="ru-RU" dirty="0"/>
           </a:p>
@@ -27214,55 +27286,74 @@
           </a:bodyPr>
           <a:lstStyle/>
           <a:p>
-            <a:pPr marL="0" lvl="0" indent="0">
-              <a:buNone/>
-            </a:pPr>
             <a:r>
-              <a:rPr lang="ru-RU" dirty="0"/>
-              <a:t>Какую из этих задач машинного обучения не решает метод опорных векторов</a:t>
+              <a:rPr lang="en-US" dirty="0">
+                <a:hlinkClick r:id="rId2"/>
+              </a:rPr>
+              <a:t>https://habr.com/ru/post/105220</a:t>
             </a:r>
             <a:r>
-              <a:rPr lang="ru-RU" dirty="0" smtClean="0"/>
-              <a:t>?</a:t>
+              <a:rPr lang="en-US" dirty="0" smtClean="0">
+                <a:hlinkClick r:id="rId2"/>
+              </a:rPr>
+              <a:t>/</a:t>
             </a:r>
           </a:p>
           <a:p>
-            <a:pPr marL="0" lvl="0" indent="0">
-              <a:buNone/>
-            </a:pPr>
-            <a:endParaRPr lang="ru-RU" dirty="0"/>
-          </a:p>
-          <a:p>
             <a:r>
-              <a:rPr lang="ru-RU" dirty="0"/>
-              <a:t>Бинарная классификация</a:t>
+              <a:rPr lang="en-US" dirty="0">
+                <a:hlinkClick r:id="rId2"/>
+              </a:rPr>
+              <a:t>www.machinelearning.ru/wiki/index.php?title=</a:t>
             </a:r>
-          </a:p>
-          <a:p>
             <a:r>
-              <a:rPr lang="ru-RU" dirty="0"/>
-              <a:t>Многоклассовая классификация</a:t>
+              <a:rPr lang="ru-RU" dirty="0" err="1" smtClean="0">
+                <a:hlinkClick r:id="rId2"/>
+              </a:rPr>
+              <a:t>Метод_опорных_векторов</a:t>
             </a:r>
+            <a:endParaRPr lang="en-US" dirty="0" smtClean="0">
+              <a:hlinkClick r:id="rId2"/>
+            </a:endParaRPr>
           </a:p>
           <a:p>
             <a:r>
-              <a:rPr lang="ru-RU" dirty="0"/>
-              <a:t>Кластеризация</a:t>
+              <a:rPr lang="en-US" dirty="0">
+                <a:hlinkClick r:id="rId2"/>
+              </a:rPr>
+              <a:t>https://nuancesprog.ru/p/9573/</a:t>
             </a:r>
           </a:p>
           <a:p>
             <a:r>
-              <a:rPr lang="ru-RU" dirty="0" smtClean="0"/>
-              <a:t>Регрессия</a:t>
+              <a:rPr lang="en-US" dirty="0" smtClean="0">
+                <a:hlinkClick r:id="rId2"/>
+              </a:rPr>
+              <a:t>https</a:t>
             </a:r>
-            <a:endParaRPr lang="ru-RU" dirty="0"/>
+            <a:r>
+              <a:rPr lang="en-US" dirty="0">
+                <a:hlinkClick r:id="rId2"/>
+              </a:rPr>
+              <a:t>://</a:t>
+            </a:r>
+            <a:r>
+              <a:rPr lang="en-US" dirty="0" smtClean="0">
+                <a:hlinkClick r:id="rId2"/>
+              </a:rPr>
+              <a:t>scikit-learn.org/stable/modules/svm.html</a:t>
+            </a:r>
+            <a:endParaRPr lang="ru-RU" dirty="0" smtClean="0"/>
+          </a:p>
+          <a:p>
+            <a:endParaRPr lang="en-US" dirty="0" smtClean="0"/>
           </a:p>
         </p:txBody>
       </p:sp>
     </p:spTree>
     <p:extLst>
       <p:ext uri="{BB962C8B-B14F-4D97-AF65-F5344CB8AC3E}">
-        <p14:creationId xmlns:p14="http://schemas.microsoft.com/office/powerpoint/2010/main" val="63509945"/>
+        <p14:creationId xmlns:p14="http://schemas.microsoft.com/office/powerpoint/2010/main" val="2236621087"/>
       </p:ext>
     </p:extLst>
   </p:cSld>
@@ -27306,102 +27397,31 @@
             <p:ph type="title"/>
           </p:nvPr>
         </p:nvSpPr>
-        <p:spPr/>
-        <p:txBody>
-          <a:bodyPr/>
-          <a:lstStyle/>
-          <a:p>
-            <a:r>
-              <a:rPr lang="ru-RU" dirty="0" smtClean="0"/>
-              <a:t>Контрольные вопросы</a:t>
-            </a:r>
-            <a:endParaRPr lang="ru-RU" dirty="0"/>
-          </a:p>
-        </p:txBody>
-      </p:sp>
-      <p:sp>
-        <p:nvSpPr>
-          <p:cNvPr id="3" name="Объект 2"/>
-          <p:cNvSpPr>
-            <a:spLocks noGrp="1"/>
-          </p:cNvSpPr>
-          <p:nvPr>
-            <p:ph idx="1"/>
-          </p:nvPr>
-        </p:nvSpPr>
-        <p:spPr/>
+        <p:spPr>
+          <a:xfrm>
+            <a:off x="838200" y="2585810"/>
+            <a:ext cx="10515600" cy="1325563"/>
+          </a:xfrm>
+        </p:spPr>
         <p:txBody>
           <a:bodyPr>
             <a:normAutofit/>
           </a:bodyPr>
           <a:lstStyle/>
           <a:p>
-            <a:pPr marL="0" lvl="0" indent="0">
-              <a:buNone/>
-            </a:pPr>
+            <a:pPr algn="ctr"/>
             <a:r>
-              <a:rPr lang="ru-RU" dirty="0"/>
-              <a:t>Если размерность элемента данных равна </a:t>
+              <a:rPr lang="ru-RU" sz="6000" dirty="0" smtClean="0"/>
+              <a:t>Спасибо за внимание</a:t>
             </a:r>
-            <a:r>
-              <a:rPr lang="en-US" i="1" dirty="0"/>
-              <a:t>N</a:t>
-            </a:r>
-            <a:r>
-              <a:rPr lang="ru-RU" dirty="0"/>
-              <a:t>, то чему равна размерность разделяющей поверхности</a:t>
-            </a:r>
-            <a:r>
-              <a:rPr lang="ru-RU" dirty="0" smtClean="0"/>
-              <a:t>?</a:t>
-            </a:r>
-          </a:p>
-          <a:p>
-            <a:pPr marL="0" lvl="0" indent="0">
-              <a:buNone/>
-            </a:pPr>
-            <a:endParaRPr lang="ru-RU" dirty="0"/>
-          </a:p>
-          <a:p>
-            <a:r>
-              <a:rPr lang="en-US" i="1" dirty="0"/>
-              <a:t>N</a:t>
-            </a:r>
-            <a:endParaRPr lang="ru-RU" dirty="0"/>
-          </a:p>
-          <a:p>
-            <a:r>
-              <a:rPr lang="ru-RU" i="1" dirty="0"/>
-              <a:t>N</a:t>
-            </a:r>
-            <a:r>
-              <a:rPr lang="ru-RU" dirty="0"/>
-              <a:t>-1</a:t>
-            </a:r>
-          </a:p>
-          <a:p>
-            <a:r>
-              <a:rPr lang="ru-RU" i="1" dirty="0"/>
-              <a:t>N</a:t>
-            </a:r>
-            <a:r>
-              <a:rPr lang="ru-RU" dirty="0"/>
-              <a:t>/2</a:t>
-            </a:r>
-          </a:p>
-          <a:p>
-            <a:r>
-              <a:rPr lang="ru-RU" dirty="0" smtClean="0"/>
-              <a:t>1</a:t>
-            </a:r>
-            <a:endParaRPr lang="ru-RU" dirty="0"/>
+            <a:endParaRPr lang="ru-RU" sz="6000" dirty="0"/>
           </a:p>
         </p:txBody>
       </p:sp>
     </p:spTree>
     <p:extLst>
       <p:ext uri="{BB962C8B-B14F-4D97-AF65-F5344CB8AC3E}">
-        <p14:creationId xmlns:p14="http://schemas.microsoft.com/office/powerpoint/2010/main" val="3509980574"/>
+        <p14:creationId xmlns:p14="http://schemas.microsoft.com/office/powerpoint/2010/main" val="3287438502"/>
       </p:ext>
     </p:extLst>
   </p:cSld>
@@ -27480,7 +27500,7 @@
             </a:pPr>
             <a:r>
               <a:rPr lang="ru-RU" dirty="0"/>
-              <a:t>К чему сводится задача бинарной классификации методом опорных векторов в случае линейной разделимости</a:t>
+              <a:t>Какую из этих задач машинного обучения не решает метод опорных векторов</a:t>
             </a:r>
             <a:r>
               <a:rPr lang="ru-RU" dirty="0" smtClean="0"/>
@@ -27496,29 +27516,25 @@
           <a:p>
             <a:r>
               <a:rPr lang="ru-RU" dirty="0"/>
-              <a:t>Минимизация зазора.</a:t>
+              <a:t>Бинарная классификация</a:t>
             </a:r>
           </a:p>
           <a:p>
             <a:r>
               <a:rPr lang="ru-RU" dirty="0"/>
-              <a:t>Максимизация зазора.</a:t>
+              <a:t>Многоклассовая классификация</a:t>
             </a:r>
           </a:p>
           <a:p>
             <a:r>
               <a:rPr lang="ru-RU" dirty="0"/>
-              <a:t>Минимизация количества опорных векторов.</a:t>
+              <a:t>Кластеризация</a:t>
             </a:r>
           </a:p>
           <a:p>
-            <a:r>
-              <a:rPr lang="ru-RU" dirty="0"/>
-              <a:t>Максимизация количества опорных векторов</a:t>
-            </a:r>
             <a:r>
               <a:rPr lang="ru-RU" dirty="0" smtClean="0"/>
-              <a:t>.</a:t>
+              <a:t>Регрессия</a:t>
             </a:r>
             <a:endParaRPr lang="ru-RU" dirty="0"/>
           </a:p>
@@ -27527,7 +27543,7 @@
     </p:spTree>
     <p:extLst>
       <p:ext uri="{BB962C8B-B14F-4D97-AF65-F5344CB8AC3E}">
-        <p14:creationId xmlns:p14="http://schemas.microsoft.com/office/powerpoint/2010/main" val="716165553"/>
+        <p14:creationId xmlns:p14="http://schemas.microsoft.com/office/powerpoint/2010/main" val="63509945"/>
       </p:ext>
     </p:extLst>
   </p:cSld>
@@ -27606,7 +27622,15 @@
             </a:pPr>
             <a:r>
               <a:rPr lang="ru-RU" dirty="0"/>
-              <a:t>Как решается проблема линейной неразделимости в методе опорных векторов</a:t>
+              <a:t>Если размерность элемента данных равна </a:t>
+            </a:r>
+            <a:r>
+              <a:rPr lang="en-US" i="1" dirty="0"/>
+              <a:t>N</a:t>
+            </a:r>
+            <a:r>
+              <a:rPr lang="ru-RU" dirty="0"/>
+              <a:t>, то чему равна размерность разделяющей поверхности</a:t>
             </a:r>
             <a:r>
               <a:rPr lang="ru-RU" dirty="0" smtClean="0"/>
@@ -27621,30 +27645,35 @@
           </a:p>
           <a:p>
             <a:r>
-              <a:rPr lang="ru-RU" dirty="0"/>
-              <a:t>Увеличение размерности пространства элементов данных.</a:t>
+              <a:rPr lang="en-US" i="1" dirty="0"/>
+              <a:t>N</a:t>
             </a:r>
-          </a:p>
-          <a:p>
+            <a:endParaRPr lang="ru-RU" dirty="0"/>
+          </a:p>
+          <a:p>
+            <a:r>
+              <a:rPr lang="ru-RU" i="1" dirty="0"/>
+              <a:t>N</a:t>
+            </a:r>
             <a:r>
               <a:rPr lang="ru-RU" dirty="0"/>
-              <a:t>Уменьшение размерности пространства элементов данных.</a:t>
+              <a:t>-1</a:t>
             </a:r>
           </a:p>
           <a:p>
+            <a:r>
+              <a:rPr lang="ru-RU" i="1" dirty="0"/>
+              <a:t>N</a:t>
+            </a:r>
             <a:r>
               <a:rPr lang="ru-RU" dirty="0"/>
-              <a:t>Уменьшение количества элементов данных.</a:t>
+              <a:t>/2</a:t>
             </a:r>
           </a:p>
           <a:p>
-            <a:r>
-              <a:rPr lang="ru-RU" dirty="0"/>
-              <a:t>Данная проблема неразрешима</a:t>
-            </a:r>
             <a:r>
               <a:rPr lang="ru-RU" dirty="0" smtClean="0"/>
-              <a:t>.</a:t>
+              <a:t>1</a:t>
             </a:r>
             <a:endParaRPr lang="ru-RU" dirty="0"/>
           </a:p>
@@ -27653,7 +27682,7 @@
     </p:spTree>
     <p:extLst>
       <p:ext uri="{BB962C8B-B14F-4D97-AF65-F5344CB8AC3E}">
-        <p14:creationId xmlns:p14="http://schemas.microsoft.com/office/powerpoint/2010/main" val="3425228795"/>
+        <p14:creationId xmlns:p14="http://schemas.microsoft.com/office/powerpoint/2010/main" val="3509980574"/>
       </p:ext>
     </p:extLst>
   </p:cSld>
@@ -27732,7 +27761,7 @@
             </a:pPr>
             <a:r>
               <a:rPr lang="ru-RU" dirty="0"/>
-              <a:t>Что такое ядро при решении линейно неразделимой задачи бинарной классификации методом опорных векторов</a:t>
+              <a:t>К чему сводится задача бинарной классификации методом опорных векторов в случае линейной разделимости</a:t>
             </a:r>
             <a:r>
               <a:rPr lang="ru-RU" dirty="0" smtClean="0"/>
@@ -27740,31 +27769,33 @@
             </a:r>
           </a:p>
           <a:p>
-            <a:pPr lvl="0"/>
+            <a:pPr marL="0" lvl="0" indent="0">
+              <a:buNone/>
+            </a:pPr>
             <a:endParaRPr lang="ru-RU" dirty="0"/>
           </a:p>
           <a:p>
             <a:r>
               <a:rPr lang="ru-RU" dirty="0"/>
-              <a:t>Сумма отображений элементов.</a:t>
+              <a:t>Минимизация зазора.</a:t>
             </a:r>
           </a:p>
           <a:p>
             <a:r>
               <a:rPr lang="ru-RU" dirty="0"/>
-              <a:t>Сумма элементов.</a:t>
+              <a:t>Максимизация зазора.</a:t>
             </a:r>
           </a:p>
           <a:p>
             <a:r>
               <a:rPr lang="ru-RU" dirty="0"/>
-              <a:t>Скалярное произведение отображений элементов.</a:t>
+              <a:t>Минимизация количества опорных векторов.</a:t>
             </a:r>
           </a:p>
           <a:p>
             <a:r>
               <a:rPr lang="ru-RU" dirty="0"/>
-              <a:t>Скалярное произведение элементов</a:t>
+              <a:t>Максимизация количества опорных векторов</a:t>
             </a:r>
             <a:r>
               <a:rPr lang="ru-RU" dirty="0" smtClean="0"/>
@@ -27777,7 +27808,7 @@
     </p:spTree>
     <p:extLst>
       <p:ext uri="{BB962C8B-B14F-4D97-AF65-F5344CB8AC3E}">
-        <p14:creationId xmlns:p14="http://schemas.microsoft.com/office/powerpoint/2010/main" val="2849908265"/>
+        <p14:creationId xmlns:p14="http://schemas.microsoft.com/office/powerpoint/2010/main" val="716165553"/>
       </p:ext>
     </p:extLst>
   </p:cSld>
@@ -28187,6 +28218,256 @@
         <p:spPr/>
         <p:txBody>
           <a:bodyPr>
+            <a:normAutofit/>
+          </a:bodyPr>
+          <a:lstStyle/>
+          <a:p>
+            <a:pPr marL="0" lvl="0" indent="0">
+              <a:buNone/>
+            </a:pPr>
+            <a:r>
+              <a:rPr lang="ru-RU" dirty="0"/>
+              <a:t>Как решается проблема линейной неразделимости в методе опорных векторов</a:t>
+            </a:r>
+            <a:r>
+              <a:rPr lang="ru-RU" dirty="0" smtClean="0"/>
+              <a:t>?</a:t>
+            </a:r>
+          </a:p>
+          <a:p>
+            <a:pPr marL="0" lvl="0" indent="0">
+              <a:buNone/>
+            </a:pPr>
+            <a:endParaRPr lang="ru-RU" dirty="0"/>
+          </a:p>
+          <a:p>
+            <a:r>
+              <a:rPr lang="ru-RU" dirty="0"/>
+              <a:t>Увеличение размерности пространства элементов данных.</a:t>
+            </a:r>
+          </a:p>
+          <a:p>
+            <a:r>
+              <a:rPr lang="ru-RU" dirty="0"/>
+              <a:t>Уменьшение размерности пространства элементов данных.</a:t>
+            </a:r>
+          </a:p>
+          <a:p>
+            <a:r>
+              <a:rPr lang="ru-RU" dirty="0"/>
+              <a:t>Уменьшение количества элементов данных.</a:t>
+            </a:r>
+          </a:p>
+          <a:p>
+            <a:r>
+              <a:rPr lang="ru-RU" dirty="0"/>
+              <a:t>Данная проблема неразрешима</a:t>
+            </a:r>
+            <a:r>
+              <a:rPr lang="ru-RU" dirty="0" smtClean="0"/>
+              <a:t>.</a:t>
+            </a:r>
+            <a:endParaRPr lang="ru-RU" dirty="0"/>
+          </a:p>
+        </p:txBody>
+      </p:sp>
+    </p:spTree>
+    <p:extLst>
+      <p:ext uri="{BB962C8B-B14F-4D97-AF65-F5344CB8AC3E}">
+        <p14:creationId xmlns:p14="http://schemas.microsoft.com/office/powerpoint/2010/main" val="3425228795"/>
+      </p:ext>
+    </p:extLst>
+  </p:cSld>
+  <p:clrMapOvr>
+    <a:masterClrMapping/>
+  </p:clrMapOvr>
+  <p:timing>
+    <p:tnLst>
+      <p:par>
+        <p:cTn id="1" dur="indefinite" restart="never" nodeType="tmRoot"/>
+      </p:par>
+    </p:tnLst>
+  </p:timing>
+</p:sld>
+</file>
+
+<file path=ppt/slides/slide51.xml><?xml version="1.0" encoding="utf-8"?>
+<p:sld xmlns:a="http://schemas.openxmlformats.org/drawingml/2006/main" xmlns:r="http://schemas.openxmlformats.org/officeDocument/2006/relationships" xmlns:p="http://schemas.openxmlformats.org/presentationml/2006/main">
+  <p:cSld>
+    <p:spTree>
+      <p:nvGrpSpPr>
+        <p:cNvPr id="1" name=""/>
+        <p:cNvGrpSpPr/>
+        <p:nvPr/>
+      </p:nvGrpSpPr>
+      <p:grpSpPr>
+        <a:xfrm>
+          <a:off x="0" y="0"/>
+          <a:ext cx="0" cy="0"/>
+          <a:chOff x="0" y="0"/>
+          <a:chExt cx="0" cy="0"/>
+        </a:xfrm>
+      </p:grpSpPr>
+      <p:sp>
+        <p:nvSpPr>
+          <p:cNvPr id="2" name="Заголовок 1"/>
+          <p:cNvSpPr>
+            <a:spLocks noGrp="1"/>
+          </p:cNvSpPr>
+          <p:nvPr>
+            <p:ph type="title"/>
+          </p:nvPr>
+        </p:nvSpPr>
+        <p:spPr/>
+        <p:txBody>
+          <a:bodyPr/>
+          <a:lstStyle/>
+          <a:p>
+            <a:r>
+              <a:rPr lang="ru-RU" dirty="0" smtClean="0"/>
+              <a:t>Контрольные вопросы</a:t>
+            </a:r>
+            <a:endParaRPr lang="ru-RU" dirty="0"/>
+          </a:p>
+        </p:txBody>
+      </p:sp>
+      <p:sp>
+        <p:nvSpPr>
+          <p:cNvPr id="3" name="Объект 2"/>
+          <p:cNvSpPr>
+            <a:spLocks noGrp="1"/>
+          </p:cNvSpPr>
+          <p:nvPr>
+            <p:ph idx="1"/>
+          </p:nvPr>
+        </p:nvSpPr>
+        <p:spPr/>
+        <p:txBody>
+          <a:bodyPr>
+            <a:normAutofit/>
+          </a:bodyPr>
+          <a:lstStyle/>
+          <a:p>
+            <a:pPr marL="0" lvl="0" indent="0">
+              <a:buNone/>
+            </a:pPr>
+            <a:r>
+              <a:rPr lang="ru-RU" dirty="0"/>
+              <a:t>Что такое ядро при решении линейно неразделимой задачи бинарной классификации методом опорных векторов</a:t>
+            </a:r>
+            <a:r>
+              <a:rPr lang="ru-RU" dirty="0" smtClean="0"/>
+              <a:t>?</a:t>
+            </a:r>
+          </a:p>
+          <a:p>
+            <a:pPr lvl="0"/>
+            <a:endParaRPr lang="ru-RU" dirty="0"/>
+          </a:p>
+          <a:p>
+            <a:r>
+              <a:rPr lang="ru-RU" dirty="0"/>
+              <a:t>Сумма отображений элементов.</a:t>
+            </a:r>
+          </a:p>
+          <a:p>
+            <a:r>
+              <a:rPr lang="ru-RU" dirty="0"/>
+              <a:t>Сумма элементов.</a:t>
+            </a:r>
+          </a:p>
+          <a:p>
+            <a:r>
+              <a:rPr lang="ru-RU" dirty="0"/>
+              <a:t>Скалярное произведение отображений элементов.</a:t>
+            </a:r>
+          </a:p>
+          <a:p>
+            <a:r>
+              <a:rPr lang="ru-RU" dirty="0"/>
+              <a:t>Скалярное произведение элементов</a:t>
+            </a:r>
+            <a:r>
+              <a:rPr lang="ru-RU" dirty="0" smtClean="0"/>
+              <a:t>.</a:t>
+            </a:r>
+            <a:endParaRPr lang="ru-RU" dirty="0"/>
+          </a:p>
+        </p:txBody>
+      </p:sp>
+    </p:spTree>
+    <p:extLst>
+      <p:ext uri="{BB962C8B-B14F-4D97-AF65-F5344CB8AC3E}">
+        <p14:creationId xmlns:p14="http://schemas.microsoft.com/office/powerpoint/2010/main" val="2849908265"/>
+      </p:ext>
+    </p:extLst>
+  </p:cSld>
+  <p:clrMapOvr>
+    <a:masterClrMapping/>
+  </p:clrMapOvr>
+  <p:timing>
+    <p:tnLst>
+      <p:par>
+        <p:cTn id="1" dur="indefinite" restart="never" nodeType="tmRoot"/>
+      </p:par>
+    </p:tnLst>
+  </p:timing>
+</p:sld>
+</file>
+
+<file path=ppt/slides/slide52.xml><?xml version="1.0" encoding="utf-8"?>
+<p:sld xmlns:a="http://schemas.openxmlformats.org/drawingml/2006/main" xmlns:r="http://schemas.openxmlformats.org/officeDocument/2006/relationships" xmlns:p="http://schemas.openxmlformats.org/presentationml/2006/main">
+  <p:cSld>
+    <p:spTree>
+      <p:nvGrpSpPr>
+        <p:cNvPr id="1" name=""/>
+        <p:cNvGrpSpPr/>
+        <p:nvPr/>
+      </p:nvGrpSpPr>
+      <p:grpSpPr>
+        <a:xfrm>
+          <a:off x="0" y="0"/>
+          <a:ext cx="0" cy="0"/>
+          <a:chOff x="0" y="0"/>
+          <a:chExt cx="0" cy="0"/>
+        </a:xfrm>
+      </p:grpSpPr>
+      <p:sp>
+        <p:nvSpPr>
+          <p:cNvPr id="2" name="Заголовок 1"/>
+          <p:cNvSpPr>
+            <a:spLocks noGrp="1"/>
+          </p:cNvSpPr>
+          <p:nvPr>
+            <p:ph type="title"/>
+          </p:nvPr>
+        </p:nvSpPr>
+        <p:spPr/>
+        <p:txBody>
+          <a:bodyPr/>
+          <a:lstStyle/>
+          <a:p>
+            <a:r>
+              <a:rPr lang="ru-RU" dirty="0" smtClean="0"/>
+              <a:t>Контрольные вопросы</a:t>
+            </a:r>
+            <a:endParaRPr lang="ru-RU" dirty="0"/>
+          </a:p>
+        </p:txBody>
+      </p:sp>
+      <p:sp>
+        <p:nvSpPr>
+          <p:cNvPr id="3" name="Объект 2"/>
+          <p:cNvSpPr>
+            <a:spLocks noGrp="1"/>
+          </p:cNvSpPr>
+          <p:nvPr>
+            <p:ph idx="1"/>
+          </p:nvPr>
+        </p:nvSpPr>
+        <p:spPr/>
+        <p:txBody>
+          <a:bodyPr>
             <a:normAutofit fontScale="92500" lnSpcReduction="10000"/>
           </a:bodyPr>
           <a:lstStyle/>
@@ -28260,7 +28541,7 @@
 </p:sld>
 </file>
 
-<file path=ppt/slides/slide51.xml><?xml version="1.0" encoding="utf-8"?>
+<file path=ppt/slides/slide53.xml><?xml version="1.0" encoding="utf-8"?>
 <p:sld xmlns:a="http://schemas.openxmlformats.org/drawingml/2006/main" xmlns:r="http://schemas.openxmlformats.org/officeDocument/2006/relationships" xmlns:p="http://schemas.openxmlformats.org/presentationml/2006/main">
   <p:cSld>
     <p:spTree>
@@ -29046,6 +29327,13 @@
   <p:clrMapOvr>
     <a:masterClrMapping/>
   </p:clrMapOvr>
+  <p:timing>
+    <p:tnLst>
+      <p:par>
+        <p:cTn id="1" dur="indefinite" restart="never" nodeType="tmRoot"/>
+      </p:par>
+    </p:tnLst>
+  </p:timing>
 </p:sld>
 </file>
 
@@ -29783,6 +30071,13 @@
   <p:clrMapOvr>
     <a:masterClrMapping/>
   </p:clrMapOvr>
+  <p:timing>
+    <p:tnLst>
+      <p:par>
+        <p:cTn id="1" dur="indefinite" restart="never" nodeType="tmRoot"/>
+      </p:par>
+    </p:tnLst>
+  </p:timing>
 </p:sld>
 </file>
 
@@ -30610,13 +30905,8 @@
             </a:pPr>
             <a:r>
               <a:rPr lang="ru-RU" dirty="0" smtClean="0"/>
-              <a:t>Зазор (отступ)</a:t>
+              <a:t>Зазор (отступ):</a:t>
             </a:r>
-            <a:r>
-              <a:rPr lang="ru-RU" dirty="0" smtClean="0"/>
-              <a:t>:</a:t>
-            </a:r>
-            <a:endParaRPr lang="ru-RU" dirty="0" smtClean="0"/>
           </a:p>
           <a:p>
             <a:pPr marL="0" indent="0">
